--- a/DOCUMENTACION DE MASTER BARBER/DOCUMENTACION DE APOYO/HU.pptx
+++ b/DOCUMENTACION DE MASTER BARBER/DOCUMENTACION DE APOYO/HU.pptx
@@ -263,7 +263,7 @@
           <a:p>
             <a:fld id="{ADFB7999-3A0C-49D2-A44D-24F0DB0801D8}" type="datetimeFigureOut">
               <a:rPr lang="es-CO" smtClean="0"/>
-              <a:t>5/04/2024</a:t>
+              <a:t>7/04/2025</a:t>
             </a:fld>
             <a:endParaRPr lang="es-CO"/>
           </a:p>
@@ -463,7 +463,7 @@
           <a:p>
             <a:fld id="{ADFB7999-3A0C-49D2-A44D-24F0DB0801D8}" type="datetimeFigureOut">
               <a:rPr lang="es-CO" smtClean="0"/>
-              <a:t>5/04/2024</a:t>
+              <a:t>7/04/2025</a:t>
             </a:fld>
             <a:endParaRPr lang="es-CO"/>
           </a:p>
@@ -673,7 +673,7 @@
           <a:p>
             <a:fld id="{ADFB7999-3A0C-49D2-A44D-24F0DB0801D8}" type="datetimeFigureOut">
               <a:rPr lang="es-CO" smtClean="0"/>
-              <a:t>5/04/2024</a:t>
+              <a:t>7/04/2025</a:t>
             </a:fld>
             <a:endParaRPr lang="es-CO"/>
           </a:p>
@@ -873,7 +873,7 @@
           <a:p>
             <a:fld id="{ADFB7999-3A0C-49D2-A44D-24F0DB0801D8}" type="datetimeFigureOut">
               <a:rPr lang="es-CO" smtClean="0"/>
-              <a:t>5/04/2024</a:t>
+              <a:t>7/04/2025</a:t>
             </a:fld>
             <a:endParaRPr lang="es-CO"/>
           </a:p>
@@ -1149,7 +1149,7 @@
           <a:p>
             <a:fld id="{ADFB7999-3A0C-49D2-A44D-24F0DB0801D8}" type="datetimeFigureOut">
               <a:rPr lang="es-CO" smtClean="0"/>
-              <a:t>5/04/2024</a:t>
+              <a:t>7/04/2025</a:t>
             </a:fld>
             <a:endParaRPr lang="es-CO"/>
           </a:p>
@@ -1417,7 +1417,7 @@
           <a:p>
             <a:fld id="{ADFB7999-3A0C-49D2-A44D-24F0DB0801D8}" type="datetimeFigureOut">
               <a:rPr lang="es-CO" smtClean="0"/>
-              <a:t>5/04/2024</a:t>
+              <a:t>7/04/2025</a:t>
             </a:fld>
             <a:endParaRPr lang="es-CO"/>
           </a:p>
@@ -1832,7 +1832,7 @@
           <a:p>
             <a:fld id="{ADFB7999-3A0C-49D2-A44D-24F0DB0801D8}" type="datetimeFigureOut">
               <a:rPr lang="es-CO" smtClean="0"/>
-              <a:t>5/04/2024</a:t>
+              <a:t>7/04/2025</a:t>
             </a:fld>
             <a:endParaRPr lang="es-CO"/>
           </a:p>
@@ -1974,7 +1974,7 @@
           <a:p>
             <a:fld id="{ADFB7999-3A0C-49D2-A44D-24F0DB0801D8}" type="datetimeFigureOut">
               <a:rPr lang="es-CO" smtClean="0"/>
-              <a:t>5/04/2024</a:t>
+              <a:t>7/04/2025</a:t>
             </a:fld>
             <a:endParaRPr lang="es-CO"/>
           </a:p>
@@ -2087,7 +2087,7 @@
           <a:p>
             <a:fld id="{ADFB7999-3A0C-49D2-A44D-24F0DB0801D8}" type="datetimeFigureOut">
               <a:rPr lang="es-CO" smtClean="0"/>
-              <a:t>5/04/2024</a:t>
+              <a:t>7/04/2025</a:t>
             </a:fld>
             <a:endParaRPr lang="es-CO"/>
           </a:p>
@@ -2400,7 +2400,7 @@
           <a:p>
             <a:fld id="{ADFB7999-3A0C-49D2-A44D-24F0DB0801D8}" type="datetimeFigureOut">
               <a:rPr lang="es-CO" smtClean="0"/>
-              <a:t>5/04/2024</a:t>
+              <a:t>7/04/2025</a:t>
             </a:fld>
             <a:endParaRPr lang="es-CO"/>
           </a:p>
@@ -2689,7 +2689,7 @@
           <a:p>
             <a:fld id="{ADFB7999-3A0C-49D2-A44D-24F0DB0801D8}" type="datetimeFigureOut">
               <a:rPr lang="es-CO" smtClean="0"/>
-              <a:t>5/04/2024</a:t>
+              <a:t>7/04/2025</a:t>
             </a:fld>
             <a:endParaRPr lang="es-CO"/>
           </a:p>
@@ -2932,7 +2932,7 @@
           <a:p>
             <a:fld id="{ADFB7999-3A0C-49D2-A44D-24F0DB0801D8}" type="datetimeFigureOut">
               <a:rPr lang="es-CO" smtClean="0"/>
-              <a:t>5/04/2024</a:t>
+              <a:t>7/04/2025</a:t>
             </a:fld>
             <a:endParaRPr lang="es-CO"/>
           </a:p>
@@ -3364,7 +3364,7 @@
           <p:nvPr>
             <p:extLst>
               <p:ext uri="{D42A27DB-BD31-4B8C-83A1-F6EECF244321}">
-                <p14:modId xmlns:p14="http://schemas.microsoft.com/office/powerpoint/2010/main" val="1840797129"/>
+                <p14:modId xmlns:p14="http://schemas.microsoft.com/office/powerpoint/2010/main" val="1841906922"/>
               </p:ext>
             </p:extLst>
           </p:nvPr>
@@ -3415,6 +3415,7 @@
                     <a:bodyPr/>
                     <a:lstStyle/>
                     <a:p>
+                      <a:pPr algn="ctr"/>
                       <a:r>
                         <a:rPr lang="es-ES" sz="1000" dirty="0"/>
                         <a:t>CODIGO HISTORIA DE USUARIO</a:t>
@@ -3433,6 +3434,7 @@
                     <a:bodyPr/>
                     <a:lstStyle/>
                     <a:p>
+                      <a:pPr algn="ctr"/>
                       <a:r>
                         <a:rPr lang="es-ES" sz="1000" dirty="0"/>
                         <a:t>CODIGO CASO DE USO</a:t>
@@ -3451,6 +3453,7 @@
                     <a:bodyPr/>
                     <a:lstStyle/>
                     <a:p>
+                      <a:pPr algn="ctr"/>
                       <a:r>
                         <a:rPr lang="es-ES" sz="1000" dirty="0"/>
                         <a:t>HISTORIA DE USUARIO</a:t>
@@ -3469,6 +3472,7 @@
                     <a:bodyPr/>
                     <a:lstStyle/>
                     <a:p>
+                      <a:pPr algn="ctr"/>
                       <a:r>
                         <a:rPr lang="es-ES" sz="1000" dirty="0"/>
                         <a:t>CRITERIOS DE ACEPTACION</a:t>

--- a/DOCUMENTACION DE MASTER BARBER/DOCUMENTACION DE APOYO/HU.pptx
+++ b/DOCUMENTACION DE MASTER BARBER/DOCUMENTACION DE APOYO/HU.pptx
@@ -263,7 +263,7 @@
           <a:p>
             <a:fld id="{ADFB7999-3A0C-49D2-A44D-24F0DB0801D8}" type="datetimeFigureOut">
               <a:rPr lang="es-CO" smtClean="0"/>
-              <a:t>7/04/2025</a:t>
+              <a:t>9/04/2025</a:t>
             </a:fld>
             <a:endParaRPr lang="es-CO"/>
           </a:p>
@@ -463,7 +463,7 @@
           <a:p>
             <a:fld id="{ADFB7999-3A0C-49D2-A44D-24F0DB0801D8}" type="datetimeFigureOut">
               <a:rPr lang="es-CO" smtClean="0"/>
-              <a:t>7/04/2025</a:t>
+              <a:t>9/04/2025</a:t>
             </a:fld>
             <a:endParaRPr lang="es-CO"/>
           </a:p>
@@ -673,7 +673,7 @@
           <a:p>
             <a:fld id="{ADFB7999-3A0C-49D2-A44D-24F0DB0801D8}" type="datetimeFigureOut">
               <a:rPr lang="es-CO" smtClean="0"/>
-              <a:t>7/04/2025</a:t>
+              <a:t>9/04/2025</a:t>
             </a:fld>
             <a:endParaRPr lang="es-CO"/>
           </a:p>
@@ -873,7 +873,7 @@
           <a:p>
             <a:fld id="{ADFB7999-3A0C-49D2-A44D-24F0DB0801D8}" type="datetimeFigureOut">
               <a:rPr lang="es-CO" smtClean="0"/>
-              <a:t>7/04/2025</a:t>
+              <a:t>9/04/2025</a:t>
             </a:fld>
             <a:endParaRPr lang="es-CO"/>
           </a:p>
@@ -1149,7 +1149,7 @@
           <a:p>
             <a:fld id="{ADFB7999-3A0C-49D2-A44D-24F0DB0801D8}" type="datetimeFigureOut">
               <a:rPr lang="es-CO" smtClean="0"/>
-              <a:t>7/04/2025</a:t>
+              <a:t>9/04/2025</a:t>
             </a:fld>
             <a:endParaRPr lang="es-CO"/>
           </a:p>
@@ -1417,7 +1417,7 @@
           <a:p>
             <a:fld id="{ADFB7999-3A0C-49D2-A44D-24F0DB0801D8}" type="datetimeFigureOut">
               <a:rPr lang="es-CO" smtClean="0"/>
-              <a:t>7/04/2025</a:t>
+              <a:t>9/04/2025</a:t>
             </a:fld>
             <a:endParaRPr lang="es-CO"/>
           </a:p>
@@ -1832,7 +1832,7 @@
           <a:p>
             <a:fld id="{ADFB7999-3A0C-49D2-A44D-24F0DB0801D8}" type="datetimeFigureOut">
               <a:rPr lang="es-CO" smtClean="0"/>
-              <a:t>7/04/2025</a:t>
+              <a:t>9/04/2025</a:t>
             </a:fld>
             <a:endParaRPr lang="es-CO"/>
           </a:p>
@@ -1974,7 +1974,7 @@
           <a:p>
             <a:fld id="{ADFB7999-3A0C-49D2-A44D-24F0DB0801D8}" type="datetimeFigureOut">
               <a:rPr lang="es-CO" smtClean="0"/>
-              <a:t>7/04/2025</a:t>
+              <a:t>9/04/2025</a:t>
             </a:fld>
             <a:endParaRPr lang="es-CO"/>
           </a:p>
@@ -2087,7 +2087,7 @@
           <a:p>
             <a:fld id="{ADFB7999-3A0C-49D2-A44D-24F0DB0801D8}" type="datetimeFigureOut">
               <a:rPr lang="es-CO" smtClean="0"/>
-              <a:t>7/04/2025</a:t>
+              <a:t>9/04/2025</a:t>
             </a:fld>
             <a:endParaRPr lang="es-CO"/>
           </a:p>
@@ -2400,7 +2400,7 @@
           <a:p>
             <a:fld id="{ADFB7999-3A0C-49D2-A44D-24F0DB0801D8}" type="datetimeFigureOut">
               <a:rPr lang="es-CO" smtClean="0"/>
-              <a:t>7/04/2025</a:t>
+              <a:t>9/04/2025</a:t>
             </a:fld>
             <a:endParaRPr lang="es-CO"/>
           </a:p>
@@ -2689,7 +2689,7 @@
           <a:p>
             <a:fld id="{ADFB7999-3A0C-49D2-A44D-24F0DB0801D8}" type="datetimeFigureOut">
               <a:rPr lang="es-CO" smtClean="0"/>
-              <a:t>7/04/2025</a:t>
+              <a:t>9/04/2025</a:t>
             </a:fld>
             <a:endParaRPr lang="es-CO"/>
           </a:p>
@@ -2932,7 +2932,7 @@
           <a:p>
             <a:fld id="{ADFB7999-3A0C-49D2-A44D-24F0DB0801D8}" type="datetimeFigureOut">
               <a:rPr lang="es-CO" smtClean="0"/>
-              <a:t>7/04/2025</a:t>
+              <a:t>9/04/2025</a:t>
             </a:fld>
             <a:endParaRPr lang="es-CO"/>
           </a:p>
@@ -3364,14 +3364,14 @@
           <p:nvPr>
             <p:extLst>
               <p:ext uri="{D42A27DB-BD31-4B8C-83A1-F6EECF244321}">
-                <p14:modId xmlns:p14="http://schemas.microsoft.com/office/powerpoint/2010/main" val="1841906922"/>
+                <p14:modId xmlns:p14="http://schemas.microsoft.com/office/powerpoint/2010/main" val="348710229"/>
               </p:ext>
             </p:extLst>
           </p:nvPr>
         </p:nvGraphicFramePr>
         <p:xfrm>
           <a:off x="440404" y="153298"/>
-          <a:ext cx="10742759" cy="6480443"/>
+          <a:ext cx="10742759" cy="6328043"/>
         </p:xfrm>
         <a:graphic>
           <a:graphicData uri="http://schemas.openxmlformats.org/drawingml/2006/table">
@@ -3564,7 +3564,7 @@
                       </a:pPr>
                       <a:r>
                         <a:rPr lang="es-MX" sz="1000" dirty="0"/>
-                        <a:t>Que se cuente con un botón de Inicio de Sesión el cual despliega un formulario que diga correo y contraseña</a:t>
+                        <a:t>Que se cuente con un sistema de Inicio de Sesión el cual despliegue un formulario que diga correo y contraseña</a:t>
                       </a:r>
                     </a:p>
                     <a:p>
@@ -3584,7 +3584,7 @@
                       </a:pPr>
                       <a:r>
                         <a:rPr lang="es-MX" sz="1000" dirty="0"/>
-                        <a:t>La contraseña debe estar oculta con círculos negros y debe estar encriptada </a:t>
+                        <a:t>La contraseña no se debe de mostrar y mantenerla privada, también tenerla encriptada </a:t>
                       </a:r>
                     </a:p>
                     <a:p>
@@ -3695,7 +3695,7 @@
                       </a:pPr>
                       <a:r>
                         <a:rPr lang="es-MX" sz="1000" dirty="0"/>
-                        <a:t>Se  debe ingresar el correo en el cual desea recibir el código de recuperación </a:t>
+                        <a:t>Debe ingresar el correo que ya tiene registrado en el sistema, en el llegara un código de recuperación  </a:t>
                       </a:r>
                     </a:p>
                     <a:p>
@@ -3705,7 +3705,7 @@
                       </a:pPr>
                       <a:r>
                         <a:rPr lang="es-MX" sz="1000" dirty="0"/>
-                        <a:t>Se ingresa el código y se hace el cambio de contraseña</a:t>
+                        <a:t>Ingresa el código y se hace el cambio de contraseña</a:t>
                       </a:r>
                     </a:p>
                     <a:p>
@@ -3823,8 +3823,21 @@
                       </a:pPr>
                       <a:r>
                         <a:rPr lang="es-ES" sz="1000" dirty="0"/>
-                        <a:t>Después de agregar un producto, el producto debería ser reflejado en el stock. </a:t>
-                      </a:r>
+                        <a:t>El producto </a:t>
+                      </a:r>
+                      <a:r>
+                        <a:rPr lang="es-ES" sz="1000"/>
+                        <a:t>se agregará </a:t>
+                      </a:r>
+                      <a:r>
+                        <a:rPr lang="es-ES" sz="1000" dirty="0"/>
+                        <a:t>al inventario de </a:t>
+                      </a:r>
+                      <a:r>
+                        <a:rPr lang="es-ES" sz="1000"/>
+                        <a:t>inmediato  </a:t>
+                      </a:r>
+                      <a:endParaRPr lang="es-ES" sz="1000" dirty="0"/>
                     </a:p>
                     <a:p>
                       <a:r>

--- a/DOCUMENTACION DE MASTER BARBER/DOCUMENTACION DE APOYO/HU.pptx
+++ b/DOCUMENTACION DE MASTER BARBER/DOCUMENTACION DE APOYO/HU.pptx
@@ -263,7 +263,7 @@
           <a:p>
             <a:fld id="{ADFB7999-3A0C-49D2-A44D-24F0DB0801D8}" type="datetimeFigureOut">
               <a:rPr lang="es-CO" smtClean="0"/>
-              <a:t>9/04/2025</a:t>
+              <a:t>21/04/2025</a:t>
             </a:fld>
             <a:endParaRPr lang="es-CO"/>
           </a:p>
@@ -463,7 +463,7 @@
           <a:p>
             <a:fld id="{ADFB7999-3A0C-49D2-A44D-24F0DB0801D8}" type="datetimeFigureOut">
               <a:rPr lang="es-CO" smtClean="0"/>
-              <a:t>9/04/2025</a:t>
+              <a:t>21/04/2025</a:t>
             </a:fld>
             <a:endParaRPr lang="es-CO"/>
           </a:p>
@@ -673,7 +673,7 @@
           <a:p>
             <a:fld id="{ADFB7999-3A0C-49D2-A44D-24F0DB0801D8}" type="datetimeFigureOut">
               <a:rPr lang="es-CO" smtClean="0"/>
-              <a:t>9/04/2025</a:t>
+              <a:t>21/04/2025</a:t>
             </a:fld>
             <a:endParaRPr lang="es-CO"/>
           </a:p>
@@ -873,7 +873,7 @@
           <a:p>
             <a:fld id="{ADFB7999-3A0C-49D2-A44D-24F0DB0801D8}" type="datetimeFigureOut">
               <a:rPr lang="es-CO" smtClean="0"/>
-              <a:t>9/04/2025</a:t>
+              <a:t>21/04/2025</a:t>
             </a:fld>
             <a:endParaRPr lang="es-CO"/>
           </a:p>
@@ -1149,7 +1149,7 @@
           <a:p>
             <a:fld id="{ADFB7999-3A0C-49D2-A44D-24F0DB0801D8}" type="datetimeFigureOut">
               <a:rPr lang="es-CO" smtClean="0"/>
-              <a:t>9/04/2025</a:t>
+              <a:t>21/04/2025</a:t>
             </a:fld>
             <a:endParaRPr lang="es-CO"/>
           </a:p>
@@ -1417,7 +1417,7 @@
           <a:p>
             <a:fld id="{ADFB7999-3A0C-49D2-A44D-24F0DB0801D8}" type="datetimeFigureOut">
               <a:rPr lang="es-CO" smtClean="0"/>
-              <a:t>9/04/2025</a:t>
+              <a:t>21/04/2025</a:t>
             </a:fld>
             <a:endParaRPr lang="es-CO"/>
           </a:p>
@@ -1832,7 +1832,7 @@
           <a:p>
             <a:fld id="{ADFB7999-3A0C-49D2-A44D-24F0DB0801D8}" type="datetimeFigureOut">
               <a:rPr lang="es-CO" smtClean="0"/>
-              <a:t>9/04/2025</a:t>
+              <a:t>21/04/2025</a:t>
             </a:fld>
             <a:endParaRPr lang="es-CO"/>
           </a:p>
@@ -1974,7 +1974,7 @@
           <a:p>
             <a:fld id="{ADFB7999-3A0C-49D2-A44D-24F0DB0801D8}" type="datetimeFigureOut">
               <a:rPr lang="es-CO" smtClean="0"/>
-              <a:t>9/04/2025</a:t>
+              <a:t>21/04/2025</a:t>
             </a:fld>
             <a:endParaRPr lang="es-CO"/>
           </a:p>
@@ -2087,7 +2087,7 @@
           <a:p>
             <a:fld id="{ADFB7999-3A0C-49D2-A44D-24F0DB0801D8}" type="datetimeFigureOut">
               <a:rPr lang="es-CO" smtClean="0"/>
-              <a:t>9/04/2025</a:t>
+              <a:t>21/04/2025</a:t>
             </a:fld>
             <a:endParaRPr lang="es-CO"/>
           </a:p>
@@ -2400,7 +2400,7 @@
           <a:p>
             <a:fld id="{ADFB7999-3A0C-49D2-A44D-24F0DB0801D8}" type="datetimeFigureOut">
               <a:rPr lang="es-CO" smtClean="0"/>
-              <a:t>9/04/2025</a:t>
+              <a:t>21/04/2025</a:t>
             </a:fld>
             <a:endParaRPr lang="es-CO"/>
           </a:p>
@@ -2689,7 +2689,7 @@
           <a:p>
             <a:fld id="{ADFB7999-3A0C-49D2-A44D-24F0DB0801D8}" type="datetimeFigureOut">
               <a:rPr lang="es-CO" smtClean="0"/>
-              <a:t>9/04/2025</a:t>
+              <a:t>21/04/2025</a:t>
             </a:fld>
             <a:endParaRPr lang="es-CO"/>
           </a:p>
@@ -2932,7 +2932,7 @@
           <a:p>
             <a:fld id="{ADFB7999-3A0C-49D2-A44D-24F0DB0801D8}" type="datetimeFigureOut">
               <a:rPr lang="es-CO" smtClean="0"/>
-              <a:t>9/04/2025</a:t>
+              <a:t>21/04/2025</a:t>
             </a:fld>
             <a:endParaRPr lang="es-CO"/>
           </a:p>
@@ -4026,14 +4026,14 @@
           <p:nvPr>
             <p:extLst>
               <p:ext uri="{D42A27DB-BD31-4B8C-83A1-F6EECF244321}">
-                <p14:modId xmlns:p14="http://schemas.microsoft.com/office/powerpoint/2010/main" val="509766049"/>
+                <p14:modId xmlns:p14="http://schemas.microsoft.com/office/powerpoint/2010/main" val="226766555"/>
               </p:ext>
             </p:extLst>
           </p:nvPr>
         </p:nvGraphicFramePr>
         <p:xfrm>
           <a:off x="359769" y="201336"/>
-          <a:ext cx="10742759" cy="6309360"/>
+          <a:ext cx="10742759" cy="3535680"/>
         </p:xfrm>
         <a:graphic>
           <a:graphicData uri="http://schemas.openxmlformats.org/drawingml/2006/table">
@@ -4071,322 +4071,6 @@
                   </a:extLst>
                 </a:gridCol>
               </a:tblGrid>
-              <a:tr h="1001900">
-                <a:tc>
-                  <a:txBody>
-                    <a:bodyPr/>
-                    <a:lstStyle/>
-                    <a:p>
-                      <a:r>
-                        <a:rPr lang="es-ES" sz="1000" dirty="0">
-                          <a:solidFill>
-                            <a:schemeClr val="bg1"/>
-                          </a:solidFill>
-                        </a:rPr>
-                        <a:t>US005</a:t>
-                      </a:r>
-                      <a:endParaRPr lang="es-CO" sz="1000" dirty="0">
-                        <a:solidFill>
-                          <a:schemeClr val="bg1"/>
-                        </a:solidFill>
-                      </a:endParaRPr>
-                    </a:p>
-                  </a:txBody>
-                  <a:tcPr>
-                    <a:solidFill>
-                      <a:schemeClr val="accent6"/>
-                    </a:solidFill>
-                  </a:tcPr>
-                </a:tc>
-                <a:tc>
-                  <a:txBody>
-                    <a:bodyPr/>
-                    <a:lstStyle/>
-                    <a:p>
-                      <a:r>
-                        <a:rPr lang="es-ES" sz="1000" b="0" dirty="0">
-                          <a:solidFill>
-                            <a:schemeClr val="tx1"/>
-                          </a:solidFill>
-                        </a:rPr>
-                        <a:t>CU005</a:t>
-                      </a:r>
-                      <a:endParaRPr lang="es-CO" sz="1000" b="0" dirty="0">
-                        <a:solidFill>
-                          <a:schemeClr val="tx1"/>
-                        </a:solidFill>
-                      </a:endParaRPr>
-                    </a:p>
-                  </a:txBody>
-                  <a:tcPr>
-                    <a:solidFill>
-                      <a:schemeClr val="accent1">
-                        <a:lumMod val="40000"/>
-                        <a:lumOff val="60000"/>
-                      </a:schemeClr>
-                    </a:solidFill>
-                  </a:tcPr>
-                </a:tc>
-                <a:tc>
-                  <a:txBody>
-                    <a:bodyPr/>
-                    <a:lstStyle/>
-                    <a:p>
-                      <a:r>
-                        <a:rPr lang="es-ES" sz="1000" b="0" dirty="0">
-                          <a:solidFill>
-                            <a:schemeClr val="tx1"/>
-                          </a:solidFill>
-                        </a:rPr>
-                        <a:t>COMO barbero NECESITO poder agendar la disponibilidad de turnos </a:t>
-                      </a:r>
-                      <a:endParaRPr lang="es-CO" sz="1000" b="0" dirty="0">
-                        <a:solidFill>
-                          <a:schemeClr val="tx1"/>
-                        </a:solidFill>
-                      </a:endParaRPr>
-                    </a:p>
-                  </a:txBody>
-                  <a:tcPr>
-                    <a:solidFill>
-                      <a:schemeClr val="accent1">
-                        <a:lumMod val="40000"/>
-                        <a:lumOff val="60000"/>
-                      </a:schemeClr>
-                    </a:solidFill>
-                  </a:tcPr>
-                </a:tc>
-                <a:tc>
-                  <a:txBody>
-                    <a:bodyPr/>
-                    <a:lstStyle/>
-                    <a:p>
-                      <a:r>
-                        <a:rPr lang="es-ES" sz="1000" b="0" dirty="0">
-                          <a:solidFill>
-                            <a:schemeClr val="tx1"/>
-                          </a:solidFill>
-                        </a:rPr>
-                        <a:t>Escenarios:</a:t>
-                      </a:r>
-                    </a:p>
-                    <a:p>
-                      <a:pPr marL="171450" indent="-171450">
-                        <a:buFont typeface="Arial" panose="020B0604020202020204" pitchFamily="34" charset="0"/>
-                        <a:buChar char="•"/>
-                      </a:pPr>
-                      <a:r>
-                        <a:rPr lang="es-ES" sz="1000" b="0" dirty="0">
-                          <a:solidFill>
-                            <a:schemeClr val="tx1"/>
-                          </a:solidFill>
-                        </a:rPr>
-                        <a:t>Tendrá un botón para poder asignar su disponibilidad </a:t>
-                      </a:r>
-                    </a:p>
-                    <a:p>
-                      <a:pPr marL="171450" indent="-171450">
-                        <a:buFont typeface="Arial" panose="020B0604020202020204" pitchFamily="34" charset="0"/>
-                        <a:buChar char="•"/>
-                      </a:pPr>
-                      <a:r>
-                        <a:rPr lang="es-ES" sz="1000" b="0" dirty="0">
-                          <a:solidFill>
-                            <a:schemeClr val="tx1"/>
-                          </a:solidFill>
-                        </a:rPr>
-                        <a:t>Deberá escoger el mes, el día y las horas</a:t>
-                      </a:r>
-                    </a:p>
-                    <a:p>
-                      <a:pPr marL="171450" indent="-171450">
-                        <a:buFont typeface="Arial" panose="020B0604020202020204" pitchFamily="34" charset="0"/>
-                        <a:buChar char="•"/>
-                      </a:pPr>
-                      <a:r>
-                        <a:rPr lang="es-ES" sz="1000" b="0" dirty="0">
-                          <a:solidFill>
-                            <a:schemeClr val="tx1"/>
-                          </a:solidFill>
-                        </a:rPr>
-                        <a:t>Por ultimo podrá publicar su disponibilidad</a:t>
-                      </a:r>
-                    </a:p>
-                    <a:p>
-                      <a:pPr marL="171450" indent="-171450">
-                        <a:buFont typeface="Arial" panose="020B0604020202020204" pitchFamily="34" charset="0"/>
-                        <a:buChar char="•"/>
-                      </a:pPr>
-                      <a:r>
-                        <a:rPr lang="es-ES" sz="1000" b="0" dirty="0">
-                          <a:solidFill>
-                            <a:schemeClr val="tx1"/>
-                          </a:solidFill>
-                        </a:rPr>
-                        <a:t>Que se genere una disponibilidad actualizada para los clientes</a:t>
-                      </a:r>
-                    </a:p>
-                    <a:p>
-                      <a:r>
-                        <a:rPr lang="es-ES" sz="1000" b="0" dirty="0">
-                          <a:solidFill>
-                            <a:schemeClr val="tx1"/>
-                          </a:solidFill>
-                        </a:rPr>
-                        <a:t>Necesitamos: </a:t>
-                      </a:r>
-                    </a:p>
-                    <a:p>
-                      <a:r>
-                        <a:rPr lang="es-ES" sz="1000" b="0" dirty="0">
-                          <a:solidFill>
-                            <a:schemeClr val="tx1"/>
-                          </a:solidFill>
-                        </a:rPr>
-                        <a:t>Establecer fechas y horarios actuales </a:t>
-                      </a:r>
-                      <a:endParaRPr lang="es-CO" sz="1000" b="0" dirty="0">
-                        <a:solidFill>
-                          <a:schemeClr val="tx1"/>
-                        </a:solidFill>
-                      </a:endParaRPr>
-                    </a:p>
-                  </a:txBody>
-                  <a:tcPr>
-                    <a:solidFill>
-                      <a:schemeClr val="accent1">
-                        <a:lumMod val="40000"/>
-                        <a:lumOff val="60000"/>
-                      </a:schemeClr>
-                    </a:solidFill>
-                  </a:tcPr>
-                </a:tc>
-                <a:extLst>
-                  <a:ext uri="{0D108BD9-81ED-4DB2-BD59-A6C34878D82A}">
-                    <a16:rowId xmlns:a16="http://schemas.microsoft.com/office/drawing/2014/main" val="1870690571"/>
-                  </a:ext>
-                </a:extLst>
-              </a:tr>
-              <a:tr h="1458917">
-                <a:tc>
-                  <a:txBody>
-                    <a:bodyPr/>
-                    <a:lstStyle/>
-                    <a:p>
-                      <a:r>
-                        <a:rPr lang="es-ES" sz="1000" dirty="0">
-                          <a:solidFill>
-                            <a:schemeClr val="bg1"/>
-                          </a:solidFill>
-                        </a:rPr>
-                        <a:t>US006</a:t>
-                      </a:r>
-                      <a:endParaRPr lang="es-CO" sz="1000" dirty="0">
-                        <a:solidFill>
-                          <a:schemeClr val="bg1"/>
-                        </a:solidFill>
-                      </a:endParaRPr>
-                    </a:p>
-                  </a:txBody>
-                  <a:tcPr>
-                    <a:solidFill>
-                      <a:schemeClr val="accent6"/>
-                    </a:solidFill>
-                  </a:tcPr>
-                </a:tc>
-                <a:tc>
-                  <a:txBody>
-                    <a:bodyPr/>
-                    <a:lstStyle/>
-                    <a:p>
-                      <a:r>
-                        <a:rPr lang="es-ES" sz="1000" dirty="0"/>
-                        <a:t>CU006</a:t>
-                      </a:r>
-                      <a:endParaRPr lang="es-CO" sz="1000" dirty="0"/>
-                    </a:p>
-                  </a:txBody>
-                  <a:tcPr/>
-                </a:tc>
-                <a:tc>
-                  <a:txBody>
-                    <a:bodyPr/>
-                    <a:lstStyle/>
-                    <a:p>
-                      <a:r>
-                        <a:rPr lang="es-MX" sz="1000" dirty="0"/>
-                        <a:t>COMO cliente NECESITO poder hacer compras de productos </a:t>
-                      </a:r>
-                    </a:p>
-                  </a:txBody>
-                  <a:tcPr/>
-                </a:tc>
-                <a:tc>
-                  <a:txBody>
-                    <a:bodyPr/>
-                    <a:lstStyle/>
-                    <a:p>
-                      <a:r>
-                        <a:rPr lang="es-ES" sz="1000" dirty="0"/>
-                        <a:t>Escenarios: </a:t>
-                      </a:r>
-                    </a:p>
-                    <a:p>
-                      <a:pPr marL="171450" indent="-171450">
-                        <a:buFont typeface="Arial" panose="020B0604020202020204" pitchFamily="34" charset="0"/>
-                        <a:buChar char="•"/>
-                      </a:pPr>
-                      <a:r>
-                        <a:rPr lang="es-ES" sz="1000" dirty="0"/>
-                        <a:t>Poder contar con un stock para poder visualizar los productos que estén en venta</a:t>
-                      </a:r>
-                    </a:p>
-                    <a:p>
-                      <a:pPr marL="171450" indent="-171450">
-                        <a:buFont typeface="Arial" panose="020B0604020202020204" pitchFamily="34" charset="0"/>
-                        <a:buChar char="•"/>
-                      </a:pPr>
-                      <a:r>
-                        <a:rPr lang="es-ES" sz="1000" dirty="0"/>
-                        <a:t>Que se pueda hacer la compra de un producto dependiendo de la cantidad y el precio </a:t>
-                      </a:r>
-                    </a:p>
-                    <a:p>
-                      <a:pPr marL="171450" indent="-171450">
-                        <a:buFont typeface="Arial" panose="020B0604020202020204" pitchFamily="34" charset="0"/>
-                        <a:buChar char="•"/>
-                      </a:pPr>
-                      <a:r>
-                        <a:rPr lang="es-ES" sz="1000" dirty="0"/>
-                        <a:t>Contar con un apartado de carrito de ventas para poder hacer compras después de un tiempo   </a:t>
-                      </a:r>
-                    </a:p>
-                    <a:p>
-                      <a:r>
-                        <a:rPr lang="es-ES" sz="1000" b="1" dirty="0"/>
-                        <a:t>Necesitamos</a:t>
-                      </a:r>
-                      <a:r>
-                        <a:rPr lang="es-ES" sz="1000" dirty="0"/>
-                        <a:t>:</a:t>
-                      </a:r>
-                    </a:p>
-                    <a:p>
-                      <a:r>
-                        <a:rPr lang="es-ES" sz="1000" dirty="0"/>
-                        <a:t>Contar con los productos actuales en venta </a:t>
-                      </a:r>
-                      <a:endParaRPr lang="es-CO" sz="1000" dirty="0"/>
-                    </a:p>
-                  </a:txBody>
-                  <a:tcPr/>
-                </a:tc>
-                <a:extLst>
-                  <a:ext uri="{0D108BD9-81ED-4DB2-BD59-A6C34878D82A}">
-                    <a16:rowId xmlns:a16="http://schemas.microsoft.com/office/drawing/2014/main" val="4084501124"/>
-                  </a:ext>
-                </a:extLst>
-              </a:tr>
               <a:tr h="1458917">
                 <a:tc>
                   <a:txBody>
@@ -4720,14 +4404,14 @@
           <p:nvPr>
             <p:extLst>
               <p:ext uri="{D42A27DB-BD31-4B8C-83A1-F6EECF244321}">
-                <p14:modId xmlns:p14="http://schemas.microsoft.com/office/powerpoint/2010/main" val="1922229440"/>
+                <p14:modId xmlns:p14="http://schemas.microsoft.com/office/powerpoint/2010/main" val="1496218345"/>
               </p:ext>
             </p:extLst>
           </p:nvPr>
         </p:nvGraphicFramePr>
         <p:xfrm>
           <a:off x="422617" y="693111"/>
-          <a:ext cx="10742759" cy="2926080"/>
+          <a:ext cx="10742759" cy="1310640"/>
         </p:xfrm>
         <a:graphic>
           <a:graphicData uri="http://schemas.openxmlformats.org/drawingml/2006/table">
@@ -4772,12 +4456,12 @@
                     <a:lstStyle/>
                     <a:p>
                       <a:r>
-                        <a:rPr lang="es-ES" sz="1000" dirty="0">
+                        <a:rPr lang="es-MX" sz="1000" dirty="0">
                           <a:solidFill>
                             <a:schemeClr val="bg1"/>
                           </a:solidFill>
                         </a:rPr>
-                        <a:t>US009</a:t>
+                        <a:t>US0010</a:t>
                       </a:r>
                       <a:endParaRPr lang="es-CO" sz="1000" dirty="0">
                         <a:solidFill>
@@ -4798,12 +4482,12 @@
                     <a:lstStyle/>
                     <a:p>
                       <a:r>
-                        <a:rPr lang="es-ES" sz="1000" b="0" dirty="0">
+                        <a:rPr lang="es-MX" sz="1000" b="0" dirty="0">
                           <a:solidFill>
                             <a:schemeClr val="tx1"/>
                           </a:solidFill>
                         </a:rPr>
-                        <a:t>CU009</a:t>
+                        <a:t>CU0010</a:t>
                       </a:r>
                       <a:endParaRPr lang="es-CO" sz="1000" b="0" dirty="0">
                         <a:solidFill>
@@ -4832,8 +4516,13 @@
                             <a:schemeClr val="tx1"/>
                           </a:solidFill>
                         </a:rPr>
-                        <a:t>COMO cliente NECESITO agregar productos al carrito de compras</a:t>
-                      </a:r>
+                        <a:t>COMO Administrador NECESITO actualizar la cantidad de productos que se encuentran disponibles en el inventario para tener un Stock real </a:t>
+                      </a:r>
+                      <a:endParaRPr lang="es-CO" sz="1000" b="0" dirty="0">
+                        <a:solidFill>
+                          <a:schemeClr val="tx1"/>
+                        </a:solidFill>
+                      </a:endParaRPr>
                     </a:p>
                   </a:txBody>
                   <a:tcPr>
@@ -4851,225 +4540,6 @@
                     <a:lstStyle/>
                     <a:p>
                       <a:r>
-                        <a:rPr lang="es-ES" sz="1000" b="0" dirty="0">
-                          <a:solidFill>
-                            <a:schemeClr val="tx1"/>
-                          </a:solidFill>
-                        </a:rPr>
-                        <a:t>Escenarios: </a:t>
-                      </a:r>
-                    </a:p>
-                    <a:p>
-                      <a:pPr marL="171450" indent="-171450">
-                        <a:buFont typeface="Arial" panose="020B0604020202020204" pitchFamily="34" charset="0"/>
-                        <a:buChar char="•"/>
-                      </a:pPr>
-                      <a:r>
-                        <a:rPr lang="es-ES" sz="1000" b="0" dirty="0">
-                          <a:solidFill>
-                            <a:schemeClr val="tx1"/>
-                          </a:solidFill>
-                        </a:rPr>
-                        <a:t>Deberá seleccionar el producto que desea agregar al carrito </a:t>
-                      </a:r>
-                    </a:p>
-                    <a:p>
-                      <a:pPr marL="171450" indent="-171450">
-                        <a:buFont typeface="Arial" panose="020B0604020202020204" pitchFamily="34" charset="0"/>
-                        <a:buChar char="•"/>
-                      </a:pPr>
-                      <a:r>
-                        <a:rPr lang="es-ES" sz="1000" b="0" dirty="0">
-                          <a:solidFill>
-                            <a:schemeClr val="tx1"/>
-                          </a:solidFill>
-                        </a:rPr>
-                        <a:t>Que ingrese la cantidad que desea agregar al carrito</a:t>
-                      </a:r>
-                    </a:p>
-                    <a:p>
-                      <a:pPr marL="171450" indent="-171450">
-                        <a:buFont typeface="Arial" panose="020B0604020202020204" pitchFamily="34" charset="0"/>
-                        <a:buChar char="•"/>
-                      </a:pPr>
-                      <a:r>
-                        <a:rPr lang="es-ES" sz="1000" b="0" dirty="0">
-                          <a:solidFill>
-                            <a:schemeClr val="tx1"/>
-                          </a:solidFill>
-                        </a:rPr>
-                        <a:t>Que los productos agregados se almacenen en el carrito </a:t>
-                      </a:r>
-                    </a:p>
-                    <a:p>
-                      <a:pPr marL="171450" indent="-171450">
-                        <a:buFont typeface="Arial" panose="020B0604020202020204" pitchFamily="34" charset="0"/>
-                        <a:buChar char="•"/>
-                      </a:pPr>
-                      <a:r>
-                        <a:rPr lang="es-ES" sz="1000" b="0" dirty="0">
-                          <a:solidFill>
-                            <a:schemeClr val="tx1"/>
-                          </a:solidFill>
-                        </a:rPr>
-                        <a:t>Que se pueda comprar dentro del carrito </a:t>
-                      </a:r>
-                    </a:p>
-                    <a:p>
-                      <a:pPr marL="0" indent="0">
-                        <a:buFont typeface="Arial" panose="020B0604020202020204" pitchFamily="34" charset="0"/>
-                        <a:buNone/>
-                      </a:pPr>
-                      <a:r>
-                        <a:rPr lang="es-ES" sz="1000" b="0" dirty="0">
-                          <a:solidFill>
-                            <a:schemeClr val="tx1"/>
-                          </a:solidFill>
-                        </a:rPr>
-                        <a:t>Necesitamos:</a:t>
-                      </a:r>
-                    </a:p>
-                    <a:p>
-                      <a:pPr marL="0" marR="0" lvl="0" indent="0" algn="l" defTabSz="914400" rtl="0" eaLnBrk="1" fontAlgn="auto" latinLnBrk="0" hangingPunct="1">
-                        <a:lnSpc>
-                          <a:spcPct val="100000"/>
-                        </a:lnSpc>
-                        <a:spcBef>
-                          <a:spcPts val="0"/>
-                        </a:spcBef>
-                        <a:spcAft>
-                          <a:spcPts val="0"/>
-                        </a:spcAft>
-                        <a:buClrTx/>
-                        <a:buSzTx/>
-                        <a:buFontTx/>
-                        <a:buNone/>
-                        <a:tabLst/>
-                        <a:defRPr/>
-                      </a:pPr>
-                      <a:r>
-                        <a:rPr lang="es-MX" sz="1000" b="0" dirty="0">
-                          <a:solidFill>
-                            <a:schemeClr val="tx1"/>
-                          </a:solidFill>
-                          <a:effectLst/>
-                        </a:rPr>
-                        <a:t>Seleccionar los productos y la cantidad.</a:t>
-                      </a:r>
-                      <a:endParaRPr lang="es-CO" sz="1000" b="0" dirty="0">
-                        <a:solidFill>
-                          <a:schemeClr val="tx1"/>
-                        </a:solidFill>
-                        <a:effectLst/>
-                      </a:endParaRPr>
-                    </a:p>
-                  </a:txBody>
-                  <a:tcPr>
-                    <a:solidFill>
-                      <a:schemeClr val="tx2">
-                        <a:lumMod val="20000"/>
-                        <a:lumOff val="80000"/>
-                      </a:schemeClr>
-                    </a:solidFill>
-                  </a:tcPr>
-                </a:tc>
-                <a:extLst>
-                  <a:ext uri="{0D108BD9-81ED-4DB2-BD59-A6C34878D82A}">
-                    <a16:rowId xmlns:a16="http://schemas.microsoft.com/office/drawing/2014/main" val="1341132561"/>
-                  </a:ext>
-                </a:extLst>
-              </a:tr>
-              <a:tr h="195646">
-                <a:tc>
-                  <a:txBody>
-                    <a:bodyPr/>
-                    <a:lstStyle/>
-                    <a:p>
-                      <a:r>
-                        <a:rPr lang="es-MX" sz="1000" dirty="0">
-                          <a:solidFill>
-                            <a:schemeClr val="bg1"/>
-                          </a:solidFill>
-                        </a:rPr>
-                        <a:t>US0010</a:t>
-                      </a:r>
-                      <a:endParaRPr lang="es-CO" sz="1000" dirty="0">
-                        <a:solidFill>
-                          <a:schemeClr val="bg1"/>
-                        </a:solidFill>
-                      </a:endParaRPr>
-                    </a:p>
-                  </a:txBody>
-                  <a:tcPr>
-                    <a:solidFill>
-                      <a:schemeClr val="accent6"/>
-                    </a:solidFill>
-                  </a:tcPr>
-                </a:tc>
-                <a:tc>
-                  <a:txBody>
-                    <a:bodyPr/>
-                    <a:lstStyle/>
-                    <a:p>
-                      <a:r>
-                        <a:rPr lang="es-MX" sz="1000" b="0" dirty="0">
-                          <a:solidFill>
-                            <a:schemeClr val="tx1"/>
-                          </a:solidFill>
-                        </a:rPr>
-                        <a:t>CU0010</a:t>
-                      </a:r>
-                      <a:endParaRPr lang="es-CO" sz="1000" b="0" dirty="0">
-                        <a:solidFill>
-                          <a:schemeClr val="tx1"/>
-                        </a:solidFill>
-                      </a:endParaRPr>
-                    </a:p>
-                  </a:txBody>
-                  <a:tcPr>
-                    <a:solidFill>
-                      <a:schemeClr val="tx2">
-                        <a:lumMod val="20000"/>
-                        <a:lumOff val="80000"/>
-                      </a:schemeClr>
-                    </a:solidFill>
-                  </a:tcPr>
-                </a:tc>
-                <a:tc>
-                  <a:txBody>
-                    <a:bodyPr/>
-                    <a:lstStyle/>
-                    <a:p>
-                      <a:r>
-                        <a:rPr lang="es-MX" sz="1000" b="0" dirty="0">
-                          <a:solidFill>
-                            <a:schemeClr val="tx1"/>
-                          </a:solidFill>
-                        </a:rPr>
-                        <a:t>COMO Administrador NECESITO actualizar la cantidad de productos que se encuentran disponibles en el inventario para tener un Stock real </a:t>
-                      </a:r>
-                      <a:endParaRPr lang="es-CO" sz="1000" b="0" dirty="0">
-                        <a:solidFill>
-                          <a:schemeClr val="tx1"/>
-                        </a:solidFill>
-                      </a:endParaRPr>
-                    </a:p>
-                  </a:txBody>
-                  <a:tcPr>
-                    <a:solidFill>
-                      <a:schemeClr val="tx2">
-                        <a:lumMod val="20000"/>
-                        <a:lumOff val="80000"/>
-                      </a:schemeClr>
-                    </a:solidFill>
-                  </a:tcPr>
-                </a:tc>
-                <a:tc>
-                  <a:txBody>
-                    <a:bodyPr/>
-                    <a:lstStyle/>
-                    <a:p>
-                      <a:r>
                         <a:rPr lang="es-MX" sz="1000" b="0" dirty="0">
                           <a:solidFill>
                             <a:schemeClr val="tx1"/>
@@ -5103,37 +4573,8 @@
                             <a:schemeClr val="tx1"/>
                           </a:solidFill>
                         </a:rPr>
-                        <a:t>Que el </a:t>
-                      </a:r>
-                      <a:r>
-                        <a:rPr lang="es-MX" sz="1000" b="0">
-                          <a:solidFill>
-                            <a:schemeClr val="tx1"/>
-                          </a:solidFill>
-                        </a:rPr>
-                        <a:t>inventario se </a:t>
-                      </a:r>
-                      <a:r>
-                        <a:rPr lang="es-MX" sz="1000" b="0" dirty="0">
-                          <a:solidFill>
-                            <a:schemeClr val="tx1"/>
-                          </a:solidFill>
-                        </a:rPr>
-                        <a:t>pueda </a:t>
-                      </a:r>
-                      <a:r>
-                        <a:rPr lang="es-MX" sz="1000" b="0">
-                          <a:solidFill>
-                            <a:schemeClr val="tx1"/>
-                          </a:solidFill>
-                        </a:rPr>
-                        <a:t>mantener actualizado  </a:t>
-                      </a:r>
-                      <a:endParaRPr lang="es-MX" sz="1000" b="0" dirty="0">
-                        <a:solidFill>
-                          <a:schemeClr val="tx1"/>
-                        </a:solidFill>
-                      </a:endParaRPr>
+                        <a:t>Que el inventario se pueda mantener actualizado  </a:t>
+                      </a:r>
                     </a:p>
                     <a:p>
                       <a:pPr marL="171450" indent="-171450">

--- a/DOCUMENTACION DE MASTER BARBER/DOCUMENTACION DE APOYO/HU.pptx
+++ b/DOCUMENTACION DE MASTER BARBER/DOCUMENTACION DE APOYO/HU.pptx
@@ -263,7 +263,7 @@
           <a:p>
             <a:fld id="{ADFB7999-3A0C-49D2-A44D-24F0DB0801D8}" type="datetimeFigureOut">
               <a:rPr lang="es-CO" smtClean="0"/>
-              <a:t>21/04/2025</a:t>
+              <a:t>22/04/2025</a:t>
             </a:fld>
             <a:endParaRPr lang="es-CO"/>
           </a:p>
@@ -463,7 +463,7 @@
           <a:p>
             <a:fld id="{ADFB7999-3A0C-49D2-A44D-24F0DB0801D8}" type="datetimeFigureOut">
               <a:rPr lang="es-CO" smtClean="0"/>
-              <a:t>21/04/2025</a:t>
+              <a:t>22/04/2025</a:t>
             </a:fld>
             <a:endParaRPr lang="es-CO"/>
           </a:p>
@@ -673,7 +673,7 @@
           <a:p>
             <a:fld id="{ADFB7999-3A0C-49D2-A44D-24F0DB0801D8}" type="datetimeFigureOut">
               <a:rPr lang="es-CO" smtClean="0"/>
-              <a:t>21/04/2025</a:t>
+              <a:t>22/04/2025</a:t>
             </a:fld>
             <a:endParaRPr lang="es-CO"/>
           </a:p>
@@ -873,7 +873,7 @@
           <a:p>
             <a:fld id="{ADFB7999-3A0C-49D2-A44D-24F0DB0801D8}" type="datetimeFigureOut">
               <a:rPr lang="es-CO" smtClean="0"/>
-              <a:t>21/04/2025</a:t>
+              <a:t>22/04/2025</a:t>
             </a:fld>
             <a:endParaRPr lang="es-CO"/>
           </a:p>
@@ -1149,7 +1149,7 @@
           <a:p>
             <a:fld id="{ADFB7999-3A0C-49D2-A44D-24F0DB0801D8}" type="datetimeFigureOut">
               <a:rPr lang="es-CO" smtClean="0"/>
-              <a:t>21/04/2025</a:t>
+              <a:t>22/04/2025</a:t>
             </a:fld>
             <a:endParaRPr lang="es-CO"/>
           </a:p>
@@ -1417,7 +1417,7 @@
           <a:p>
             <a:fld id="{ADFB7999-3A0C-49D2-A44D-24F0DB0801D8}" type="datetimeFigureOut">
               <a:rPr lang="es-CO" smtClean="0"/>
-              <a:t>21/04/2025</a:t>
+              <a:t>22/04/2025</a:t>
             </a:fld>
             <a:endParaRPr lang="es-CO"/>
           </a:p>
@@ -1832,7 +1832,7 @@
           <a:p>
             <a:fld id="{ADFB7999-3A0C-49D2-A44D-24F0DB0801D8}" type="datetimeFigureOut">
               <a:rPr lang="es-CO" smtClean="0"/>
-              <a:t>21/04/2025</a:t>
+              <a:t>22/04/2025</a:t>
             </a:fld>
             <a:endParaRPr lang="es-CO"/>
           </a:p>
@@ -1974,7 +1974,7 @@
           <a:p>
             <a:fld id="{ADFB7999-3A0C-49D2-A44D-24F0DB0801D8}" type="datetimeFigureOut">
               <a:rPr lang="es-CO" smtClean="0"/>
-              <a:t>21/04/2025</a:t>
+              <a:t>22/04/2025</a:t>
             </a:fld>
             <a:endParaRPr lang="es-CO"/>
           </a:p>
@@ -2087,7 +2087,7 @@
           <a:p>
             <a:fld id="{ADFB7999-3A0C-49D2-A44D-24F0DB0801D8}" type="datetimeFigureOut">
               <a:rPr lang="es-CO" smtClean="0"/>
-              <a:t>21/04/2025</a:t>
+              <a:t>22/04/2025</a:t>
             </a:fld>
             <a:endParaRPr lang="es-CO"/>
           </a:p>
@@ -2400,7 +2400,7 @@
           <a:p>
             <a:fld id="{ADFB7999-3A0C-49D2-A44D-24F0DB0801D8}" type="datetimeFigureOut">
               <a:rPr lang="es-CO" smtClean="0"/>
-              <a:t>21/04/2025</a:t>
+              <a:t>22/04/2025</a:t>
             </a:fld>
             <a:endParaRPr lang="es-CO"/>
           </a:p>
@@ -2689,7 +2689,7 @@
           <a:p>
             <a:fld id="{ADFB7999-3A0C-49D2-A44D-24F0DB0801D8}" type="datetimeFigureOut">
               <a:rPr lang="es-CO" smtClean="0"/>
-              <a:t>21/04/2025</a:t>
+              <a:t>22/04/2025</a:t>
             </a:fld>
             <a:endParaRPr lang="es-CO"/>
           </a:p>
@@ -2932,7 +2932,7 @@
           <a:p>
             <a:fld id="{ADFB7999-3A0C-49D2-A44D-24F0DB0801D8}" type="datetimeFigureOut">
               <a:rPr lang="es-CO" smtClean="0"/>
-              <a:t>21/04/2025</a:t>
+              <a:t>22/04/2025</a:t>
             </a:fld>
             <a:endParaRPr lang="es-CO"/>
           </a:p>
@@ -4026,7 +4026,7 @@
           <p:nvPr>
             <p:extLst>
               <p:ext uri="{D42A27DB-BD31-4B8C-83A1-F6EECF244321}">
-                <p14:modId xmlns:p14="http://schemas.microsoft.com/office/powerpoint/2010/main" val="226766555"/>
+                <p14:modId xmlns:p14="http://schemas.microsoft.com/office/powerpoint/2010/main" val="272611886"/>
               </p:ext>
             </p:extLst>
           </p:nvPr>
@@ -4105,7 +4105,7 @@
                     <a:p>
                       <a:r>
                         <a:rPr lang="es-ES" sz="1000" dirty="0"/>
-                        <a:t>CU007</a:t>
+                        <a:t>CU005</a:t>
                       </a:r>
                       <a:endParaRPr lang="es-CO" sz="1000" dirty="0"/>
                     </a:p>
@@ -4251,7 +4251,7 @@
                     <a:p>
                       <a:r>
                         <a:rPr lang="es-ES" sz="1000" dirty="0"/>
-                        <a:t>CU008</a:t>
+                        <a:t>CU006</a:t>
                       </a:r>
                       <a:endParaRPr lang="es-CO" sz="1000" dirty="0"/>
                     </a:p>
@@ -4404,7 +4404,7 @@
           <p:nvPr>
             <p:extLst>
               <p:ext uri="{D42A27DB-BD31-4B8C-83A1-F6EECF244321}">
-                <p14:modId xmlns:p14="http://schemas.microsoft.com/office/powerpoint/2010/main" val="1496218345"/>
+                <p14:modId xmlns:p14="http://schemas.microsoft.com/office/powerpoint/2010/main" val="591270018"/>
               </p:ext>
             </p:extLst>
           </p:nvPr>
@@ -4487,7 +4487,7 @@
                             <a:schemeClr val="tx1"/>
                           </a:solidFill>
                         </a:rPr>
-                        <a:t>CU0010</a:t>
+                        <a:t>CU007</a:t>
                       </a:r>
                       <a:endParaRPr lang="es-CO" sz="1000" b="0" dirty="0">
                         <a:solidFill>

--- a/DOCUMENTACION DE MASTER BARBER/DOCUMENTACION DE APOYO/HU.pptx
+++ b/DOCUMENTACION DE MASTER BARBER/DOCUMENTACION DE APOYO/HU.pptx
@@ -6,7 +6,7 @@
   </p:sldMasterIdLst>
   <p:sldIdLst>
     <p:sldId id="256" r:id="rId2"/>
-    <p:sldId id="257" r:id="rId3"/>
+    <p:sldId id="259" r:id="rId3"/>
     <p:sldId id="258" r:id="rId4"/>
   </p:sldIdLst>
   <p:sldSz cx="12192000" cy="6858000"/>
@@ -263,7 +263,7 @@
           <a:p>
             <a:fld id="{ADFB7999-3A0C-49D2-A44D-24F0DB0801D8}" type="datetimeFigureOut">
               <a:rPr lang="es-CO" smtClean="0"/>
-              <a:t>22/04/2025</a:t>
+              <a:t>26/04/2025</a:t>
             </a:fld>
             <a:endParaRPr lang="es-CO"/>
           </a:p>
@@ -463,7 +463,7 @@
           <a:p>
             <a:fld id="{ADFB7999-3A0C-49D2-A44D-24F0DB0801D8}" type="datetimeFigureOut">
               <a:rPr lang="es-CO" smtClean="0"/>
-              <a:t>22/04/2025</a:t>
+              <a:t>26/04/2025</a:t>
             </a:fld>
             <a:endParaRPr lang="es-CO"/>
           </a:p>
@@ -673,7 +673,7 @@
           <a:p>
             <a:fld id="{ADFB7999-3A0C-49D2-A44D-24F0DB0801D8}" type="datetimeFigureOut">
               <a:rPr lang="es-CO" smtClean="0"/>
-              <a:t>22/04/2025</a:t>
+              <a:t>26/04/2025</a:t>
             </a:fld>
             <a:endParaRPr lang="es-CO"/>
           </a:p>
@@ -873,7 +873,7 @@
           <a:p>
             <a:fld id="{ADFB7999-3A0C-49D2-A44D-24F0DB0801D8}" type="datetimeFigureOut">
               <a:rPr lang="es-CO" smtClean="0"/>
-              <a:t>22/04/2025</a:t>
+              <a:t>26/04/2025</a:t>
             </a:fld>
             <a:endParaRPr lang="es-CO"/>
           </a:p>
@@ -1149,7 +1149,7 @@
           <a:p>
             <a:fld id="{ADFB7999-3A0C-49D2-A44D-24F0DB0801D8}" type="datetimeFigureOut">
               <a:rPr lang="es-CO" smtClean="0"/>
-              <a:t>22/04/2025</a:t>
+              <a:t>26/04/2025</a:t>
             </a:fld>
             <a:endParaRPr lang="es-CO"/>
           </a:p>
@@ -1417,7 +1417,7 @@
           <a:p>
             <a:fld id="{ADFB7999-3A0C-49D2-A44D-24F0DB0801D8}" type="datetimeFigureOut">
               <a:rPr lang="es-CO" smtClean="0"/>
-              <a:t>22/04/2025</a:t>
+              <a:t>26/04/2025</a:t>
             </a:fld>
             <a:endParaRPr lang="es-CO"/>
           </a:p>
@@ -1832,7 +1832,7 @@
           <a:p>
             <a:fld id="{ADFB7999-3A0C-49D2-A44D-24F0DB0801D8}" type="datetimeFigureOut">
               <a:rPr lang="es-CO" smtClean="0"/>
-              <a:t>22/04/2025</a:t>
+              <a:t>26/04/2025</a:t>
             </a:fld>
             <a:endParaRPr lang="es-CO"/>
           </a:p>
@@ -1974,7 +1974,7 @@
           <a:p>
             <a:fld id="{ADFB7999-3A0C-49D2-A44D-24F0DB0801D8}" type="datetimeFigureOut">
               <a:rPr lang="es-CO" smtClean="0"/>
-              <a:t>22/04/2025</a:t>
+              <a:t>26/04/2025</a:t>
             </a:fld>
             <a:endParaRPr lang="es-CO"/>
           </a:p>
@@ -2087,7 +2087,7 @@
           <a:p>
             <a:fld id="{ADFB7999-3A0C-49D2-A44D-24F0DB0801D8}" type="datetimeFigureOut">
               <a:rPr lang="es-CO" smtClean="0"/>
-              <a:t>22/04/2025</a:t>
+              <a:t>26/04/2025</a:t>
             </a:fld>
             <a:endParaRPr lang="es-CO"/>
           </a:p>
@@ -2400,7 +2400,7 @@
           <a:p>
             <a:fld id="{ADFB7999-3A0C-49D2-A44D-24F0DB0801D8}" type="datetimeFigureOut">
               <a:rPr lang="es-CO" smtClean="0"/>
-              <a:t>22/04/2025</a:t>
+              <a:t>26/04/2025</a:t>
             </a:fld>
             <a:endParaRPr lang="es-CO"/>
           </a:p>
@@ -2689,7 +2689,7 @@
           <a:p>
             <a:fld id="{ADFB7999-3A0C-49D2-A44D-24F0DB0801D8}" type="datetimeFigureOut">
               <a:rPr lang="es-CO" smtClean="0"/>
-              <a:t>22/04/2025</a:t>
+              <a:t>26/04/2025</a:t>
             </a:fld>
             <a:endParaRPr lang="es-CO"/>
           </a:p>
@@ -2932,7 +2932,7 @@
           <a:p>
             <a:fld id="{ADFB7999-3A0C-49D2-A44D-24F0DB0801D8}" type="datetimeFigureOut">
               <a:rPr lang="es-CO" smtClean="0"/>
-              <a:t>22/04/2025</a:t>
+              <a:t>26/04/2025</a:t>
             </a:fld>
             <a:endParaRPr lang="es-CO"/>
           </a:p>
@@ -3364,14 +3364,14 @@
           <p:nvPr>
             <p:extLst>
               <p:ext uri="{D42A27DB-BD31-4B8C-83A1-F6EECF244321}">
-                <p14:modId xmlns:p14="http://schemas.microsoft.com/office/powerpoint/2010/main" val="348710229"/>
+                <p14:modId xmlns:p14="http://schemas.microsoft.com/office/powerpoint/2010/main" val="164673023"/>
               </p:ext>
             </p:extLst>
           </p:nvPr>
         </p:nvGraphicFramePr>
         <p:xfrm>
-          <a:off x="440404" y="153298"/>
-          <a:ext cx="10742759" cy="6328043"/>
+          <a:off x="660538" y="42752"/>
+          <a:ext cx="10608596" cy="6772496"/>
         </p:xfrm>
         <a:graphic>
           <a:graphicData uri="http://schemas.openxmlformats.org/drawingml/2006/table">
@@ -3380,28 +3380,28 @@
                 <a:tableStyleId>{5C22544A-7EE6-4342-B048-85BDC9FD1C3A}</a:tableStyleId>
               </a:tblPr>
               <a:tblGrid>
-                <a:gridCol w="1103240">
+                <a:gridCol w="1089462">
                   <a:extLst>
                     <a:ext uri="{9D8B030D-6E8A-4147-A177-3AD203B41FA5}">
                       <a16:colId xmlns:a16="http://schemas.microsoft.com/office/drawing/2014/main" val="1854418466"/>
                     </a:ext>
                   </a:extLst>
                 </a:gridCol>
-                <a:gridCol w="1927904">
+                <a:gridCol w="1903827">
                   <a:extLst>
                     <a:ext uri="{9D8B030D-6E8A-4147-A177-3AD203B41FA5}">
                       <a16:colId xmlns:a16="http://schemas.microsoft.com/office/drawing/2014/main" val="3790004698"/>
                     </a:ext>
                   </a:extLst>
                 </a:gridCol>
-                <a:gridCol w="4695758">
+                <a:gridCol w="4637114">
                   <a:extLst>
                     <a:ext uri="{9D8B030D-6E8A-4147-A177-3AD203B41FA5}">
                       <a16:colId xmlns:a16="http://schemas.microsoft.com/office/drawing/2014/main" val="3511436323"/>
                     </a:ext>
                   </a:extLst>
                 </a:gridCol>
-                <a:gridCol w="3015857">
+                <a:gridCol w="2978193">
                   <a:extLst>
                     <a:ext uri="{9D8B030D-6E8A-4147-A177-3AD203B41FA5}">
                       <a16:colId xmlns:a16="http://schemas.microsoft.com/office/drawing/2014/main" val="469483286"/>
@@ -3409,7 +3409,7 @@
                   </a:extLst>
                 </a:gridCol>
               </a:tblGrid>
-              <a:tr h="628283">
+              <a:tr h="615536">
                 <a:tc>
                   <a:txBody>
                     <a:bodyPr/>
@@ -3492,7 +3492,7 @@
                   </a:ext>
                 </a:extLst>
               </a:tr>
-              <a:tr h="900072">
+              <a:tr h="1433357">
                 <a:tc>
                   <a:txBody>
                     <a:bodyPr/>
@@ -3525,10 +3525,10 @@
                     <a:lstStyle/>
                     <a:p>
                       <a:r>
-                        <a:rPr lang="es-ES" sz="1000" dirty="0"/>
+                        <a:rPr lang="es-ES" sz="1000" b="1" dirty="0"/>
                         <a:t>CU001</a:t>
                       </a:r>
-                      <a:endParaRPr lang="es-CO" sz="1000" dirty="0"/>
+                      <a:endParaRPr lang="es-CO" sz="1000" b="1" dirty="0"/>
                     </a:p>
                   </a:txBody>
                   <a:tcPr/>
@@ -3539,10 +3539,10 @@
                     <a:lstStyle/>
                     <a:p>
                       <a:r>
-                        <a:rPr lang="es-ES" sz="1000" dirty="0"/>
-                        <a:t>COMO usuario NECESITO poder ingresar al sistema </a:t>
-                      </a:r>
-                      <a:endParaRPr lang="es-CO" sz="1000" dirty="0"/>
+                        <a:rPr lang="es-ES" sz="1000" b="1" dirty="0"/>
+                        <a:t>COMO Usuario NECESITO poder ingresar al sistema </a:t>
+                      </a:r>
+                      <a:endParaRPr lang="es-CO" sz="1000" b="1" dirty="0"/>
                     </a:p>
                   </a:txBody>
                   <a:tcPr/>
@@ -3553,7 +3553,7 @@
                     <a:lstStyle/>
                     <a:p>
                       <a:r>
-                        <a:rPr lang="es-MX" sz="1000" dirty="0"/>
+                        <a:rPr lang="es-MX" sz="1000" b="1" dirty="0"/>
                         <a:t>Escenarios:</a:t>
                       </a:r>
                     </a:p>
@@ -3563,7 +3563,7 @@
                         <a:buChar char="•"/>
                       </a:pPr>
                       <a:r>
-                        <a:rPr lang="es-MX" sz="1000" dirty="0"/>
+                        <a:rPr lang="es-MX" sz="1000" b="1" dirty="0"/>
                         <a:t>Que se cuente con un sistema de Inicio de Sesión el cual despliegue un formulario que diga correo y contraseña</a:t>
                       </a:r>
                     </a:p>
@@ -3573,7 +3573,7 @@
                         <a:buChar char="•"/>
                       </a:pPr>
                       <a:r>
-                        <a:rPr lang="es-MX" sz="1000" dirty="0"/>
+                        <a:rPr lang="es-MX" sz="1000" b="1" dirty="0"/>
                         <a:t>El campo correo electrónico debe ser único </a:t>
                       </a:r>
                     </a:p>
@@ -3583,26 +3583,22 @@
                         <a:buChar char="•"/>
                       </a:pPr>
                       <a:r>
-                        <a:rPr lang="es-MX" sz="1000" dirty="0"/>
+                        <a:rPr lang="es-MX" sz="1000" b="1" dirty="0"/>
                         <a:t>La contraseña no se debe de mostrar y mantenerla privada, también tenerla encriptada </a:t>
                       </a:r>
                     </a:p>
                     <a:p>
                       <a:r>
                         <a:rPr lang="es-ES" sz="1000" b="1" dirty="0"/>
-                        <a:t>Necesitamos</a:t>
-                      </a:r>
-                      <a:r>
-                        <a:rPr lang="es-ES" sz="1000" dirty="0"/>
-                        <a:t>: </a:t>
-                      </a:r>
-                    </a:p>
-                    <a:p>
-                      <a:r>
-                        <a:rPr lang="es-ES" sz="1000" dirty="0"/>
+                        <a:t>Necesitamos: </a:t>
+                      </a:r>
+                    </a:p>
+                    <a:p>
+                      <a:r>
+                        <a:rPr lang="es-ES" sz="1000" b="1" dirty="0"/>
                         <a:t>Correo electrónico, contraseña</a:t>
                       </a:r>
-                      <a:endParaRPr lang="es-CO" sz="1000" dirty="0"/>
+                      <a:endParaRPr lang="es-CO" sz="1000" b="1" dirty="0"/>
                     </a:p>
                   </a:txBody>
                   <a:tcPr/>
@@ -3613,7 +3609,7 @@
                   </a:ext>
                 </a:extLst>
               </a:tr>
-              <a:tr h="906011">
+              <a:tr h="1433357">
                 <a:tc>
                   <a:txBody>
                     <a:bodyPr/>
@@ -3646,10 +3642,10 @@
                     <a:lstStyle/>
                     <a:p>
                       <a:r>
-                        <a:rPr lang="es-ES" sz="1000" dirty="0"/>
+                        <a:rPr lang="es-ES" sz="1000" b="1" dirty="0"/>
                         <a:t>CU002</a:t>
                       </a:r>
-                      <a:endParaRPr lang="es-CO" sz="1000" dirty="0"/>
+                      <a:endParaRPr lang="es-CO" sz="1000" b="1" dirty="0"/>
                     </a:p>
                   </a:txBody>
                   <a:tcPr/>
@@ -3660,10 +3656,10 @@
                     <a:lstStyle/>
                     <a:p>
                       <a:r>
-                        <a:rPr lang="es-ES" sz="1000" dirty="0"/>
-                        <a:t>COMO usuario NECESITO recuperar la contraseña para poder ingresar en caso de olvidarla</a:t>
-                      </a:r>
-                      <a:endParaRPr lang="es-CO" sz="1000" dirty="0"/>
+                        <a:rPr lang="es-ES" sz="1000" b="1" dirty="0"/>
+                        <a:t>COMO Usuario NECESITO recuperar la contraseña para poder ingresar en caso de olvidarla</a:t>
+                      </a:r>
+                      <a:endParaRPr lang="es-CO" sz="1000" b="1" dirty="0"/>
                     </a:p>
                   </a:txBody>
                   <a:tcPr/>
@@ -3674,7 +3670,7 @@
                     <a:lstStyle/>
                     <a:p>
                       <a:r>
-                        <a:rPr lang="es-MX" sz="1000" dirty="0"/>
+                        <a:rPr lang="es-MX" sz="1000" b="1" dirty="0"/>
                         <a:t>Escenarios: </a:t>
                       </a:r>
                     </a:p>
@@ -3684,7 +3680,7 @@
                         <a:buChar char="•"/>
                       </a:pPr>
                       <a:r>
-                        <a:rPr lang="es-MX" sz="1000" dirty="0"/>
+                        <a:rPr lang="es-MX" sz="1000" b="1" dirty="0"/>
                         <a:t>Solicitar el cambio de contraseña</a:t>
                       </a:r>
                     </a:p>
@@ -3694,7 +3690,7 @@
                         <a:buChar char="•"/>
                       </a:pPr>
                       <a:r>
-                        <a:rPr lang="es-MX" sz="1000" dirty="0"/>
+                        <a:rPr lang="es-MX" sz="1000" b="1" dirty="0"/>
                         <a:t>Debe ingresar el correo que ya tiene registrado en el sistema, en el llegara un código de recuperación  </a:t>
                       </a:r>
                     </a:p>
@@ -3704,7 +3700,7 @@
                         <a:buChar char="•"/>
                       </a:pPr>
                       <a:r>
-                        <a:rPr lang="es-MX" sz="1000" dirty="0"/>
+                        <a:rPr lang="es-MX" sz="1000" b="1" dirty="0"/>
                         <a:t>Ingresa el código y se hace el cambio de contraseña</a:t>
                       </a:r>
                     </a:p>
@@ -3713,24 +3709,20 @@
                         <a:buFont typeface="Arial" panose="020B0604020202020204" pitchFamily="34" charset="0"/>
                         <a:buChar char="•"/>
                       </a:pPr>
-                      <a:endParaRPr lang="es-MX" sz="1000" dirty="0"/>
+                      <a:endParaRPr lang="es-MX" sz="1000" b="1" dirty="0"/>
                     </a:p>
                     <a:p>
                       <a:r>
                         <a:rPr lang="es-ES" sz="1000" b="1" dirty="0"/>
-                        <a:t>Necesitamos</a:t>
-                      </a:r>
-                      <a:r>
-                        <a:rPr lang="es-ES" sz="1000" dirty="0"/>
-                        <a:t>:</a:t>
-                      </a:r>
-                    </a:p>
-                    <a:p>
-                      <a:r>
-                        <a:rPr lang="es-ES" sz="1000" dirty="0"/>
+                        <a:t>Necesitamos:</a:t>
+                      </a:r>
+                    </a:p>
+                    <a:p>
+                      <a:r>
+                        <a:rPr lang="es-ES" sz="1000" b="1" dirty="0"/>
                         <a:t>Correo electrónico</a:t>
                       </a:r>
-                      <a:endParaRPr lang="es-CO" sz="1000" dirty="0"/>
+                      <a:endParaRPr lang="es-CO" sz="1000" b="1" dirty="0"/>
                     </a:p>
                   </a:txBody>
                   <a:tcPr/>
@@ -3741,7 +3733,7 @@
                   </a:ext>
                 </a:extLst>
               </a:tr>
-              <a:tr h="1286592">
+              <a:tr h="1433357">
                 <a:tc>
                   <a:txBody>
                     <a:bodyPr/>
@@ -3774,10 +3766,10 @@
                     <a:lstStyle/>
                     <a:p>
                       <a:r>
-                        <a:rPr lang="es-ES" sz="1000" dirty="0"/>
+                        <a:rPr lang="es-ES" sz="1000" b="1" dirty="0"/>
                         <a:t>CU003</a:t>
                       </a:r>
-                      <a:endParaRPr lang="es-CO" sz="1000" dirty="0"/>
+                      <a:endParaRPr lang="es-CO" sz="1000" b="1" dirty="0"/>
                     </a:p>
                   </a:txBody>
                   <a:tcPr/>
@@ -3788,10 +3780,10 @@
                     <a:lstStyle/>
                     <a:p>
                       <a:r>
-                        <a:rPr lang="es-ES" sz="1000" dirty="0"/>
+                        <a:rPr lang="es-ES" sz="1000" b="1" dirty="0"/>
                         <a:t>COMO Administrador NECESITO agregar nuevos productos para disponibilidad de la Barberia </a:t>
                       </a:r>
-                      <a:endParaRPr lang="es-CO" sz="1000" dirty="0"/>
+                      <a:endParaRPr lang="es-CO" sz="1000" b="1" dirty="0"/>
                     </a:p>
                   </a:txBody>
                   <a:tcPr/>
@@ -3802,7 +3794,7 @@
                     <a:lstStyle/>
                     <a:p>
                       <a:r>
-                        <a:rPr lang="es-ES" sz="1000" dirty="0"/>
+                        <a:rPr lang="es-ES" sz="1000" b="1" dirty="0"/>
                         <a:t>Escenarios: </a:t>
                       </a:r>
                     </a:p>
@@ -3812,7 +3804,7 @@
                         <a:buChar char="•"/>
                       </a:pPr>
                       <a:r>
-                        <a:rPr lang="es-ES" sz="1000" dirty="0"/>
+                        <a:rPr lang="es-ES" sz="1000" b="1" dirty="0"/>
                         <a:t>Se puedan agregar productos ingresando el código, nombre del producto, precio, cantidades</a:t>
                       </a:r>
                     </a:p>
@@ -3822,36 +3814,19 @@
                         <a:buChar char="•"/>
                       </a:pPr>
                       <a:r>
-                        <a:rPr lang="es-ES" sz="1000" dirty="0"/>
-                        <a:t>El producto </a:t>
-                      </a:r>
-                      <a:r>
-                        <a:rPr lang="es-ES" sz="1000"/>
-                        <a:t>se agregará </a:t>
-                      </a:r>
-                      <a:r>
-                        <a:rPr lang="es-ES" sz="1000" dirty="0"/>
-                        <a:t>al inventario de </a:t>
-                      </a:r>
-                      <a:r>
-                        <a:rPr lang="es-ES" sz="1000"/>
-                        <a:t>inmediato  </a:t>
-                      </a:r>
-                      <a:endParaRPr lang="es-ES" sz="1000" dirty="0"/>
-                    </a:p>
-                    <a:p>
-                      <a:r>
                         <a:rPr lang="es-ES" sz="1000" b="1" dirty="0"/>
-                        <a:t>Necesitamos</a:t>
-                      </a:r>
-                      <a:r>
-                        <a:rPr lang="es-ES" sz="1000" dirty="0"/>
-                        <a:t>:</a:t>
-                      </a:r>
-                    </a:p>
-                    <a:p>
-                      <a:r>
-                        <a:rPr lang="es-ES" sz="1000" dirty="0"/>
+                        <a:t>El producto se agregará al inventario de inmediato  </a:t>
+                      </a:r>
+                    </a:p>
+                    <a:p>
+                      <a:r>
+                        <a:rPr lang="es-ES" sz="1000" b="1" dirty="0"/>
+                        <a:t>Necesitamos:</a:t>
+                      </a:r>
+                    </a:p>
+                    <a:p>
+                      <a:r>
+                        <a:rPr lang="es-ES" sz="1000" b="1" dirty="0"/>
                         <a:t> Productos, nombre del producto, cantidad del producto y precio del producto.</a:t>
                       </a:r>
                     </a:p>
@@ -3864,7 +3839,7 @@
                   </a:ext>
                 </a:extLst>
               </a:tr>
-              <a:tr h="195646">
+              <a:tr h="1582665">
                 <a:tc>
                   <a:txBody>
                     <a:bodyPr/>
@@ -3897,10 +3872,10 @@
                     <a:lstStyle/>
                     <a:p>
                       <a:r>
-                        <a:rPr lang="es-ES" sz="1000" dirty="0"/>
+                        <a:rPr lang="es-ES" sz="1000" b="1" dirty="0"/>
                         <a:t>CU004</a:t>
                       </a:r>
-                      <a:endParaRPr lang="es-CO" sz="1000" dirty="0"/>
+                      <a:endParaRPr lang="es-CO" sz="1000" b="1" dirty="0"/>
                     </a:p>
                   </a:txBody>
                   <a:tcPr/>
@@ -3911,10 +3886,10 @@
                     <a:lstStyle/>
                     <a:p>
                       <a:r>
-                        <a:rPr lang="es-ES" sz="1000" dirty="0"/>
+                        <a:rPr lang="es-ES" sz="1000" b="1" dirty="0"/>
                         <a:t>COMO Administrador NECESITO generar estadísticas de las ventas de los productos de la Barberia  </a:t>
                       </a:r>
-                      <a:endParaRPr lang="es-CO" sz="1000" dirty="0"/>
+                      <a:endParaRPr lang="es-CO" sz="1000" b="1" dirty="0"/>
                     </a:p>
                   </a:txBody>
                   <a:tcPr/>
@@ -3925,7 +3900,7 @@
                     <a:lstStyle/>
                     <a:p>
                       <a:r>
-                        <a:rPr lang="es-ES" sz="1000" dirty="0"/>
+                        <a:rPr lang="es-ES" sz="1000" b="1" dirty="0"/>
                         <a:t>Escenarios: </a:t>
                       </a:r>
                     </a:p>
@@ -3935,7 +3910,7 @@
                         <a:buChar char="•"/>
                       </a:pPr>
                       <a:r>
-                        <a:rPr lang="es-ES" sz="1000" dirty="0"/>
+                        <a:rPr lang="es-ES" sz="1000" b="1" dirty="0"/>
                         <a:t>Que se cuente con una opción de hacer estadísticas sobre los productos mas vendidos, menos vendidos y los no vendidos   </a:t>
                       </a:r>
                     </a:p>
@@ -3945,28 +3920,24 @@
                         <a:buChar char="•"/>
                       </a:pPr>
                       <a:r>
-                        <a:rPr lang="es-ES" sz="1000" dirty="0"/>
+                        <a:rPr lang="es-ES" sz="1000" b="1" dirty="0"/>
                         <a:t>Después de ser generada las estadísticas poder visualizarlas solo en el rol de Administrador </a:t>
                       </a:r>
                     </a:p>
                     <a:p>
                       <a:r>
                         <a:rPr lang="es-ES" sz="1000" b="1" dirty="0"/>
-                        <a:t>Necesitamos</a:t>
-                      </a:r>
-                      <a:r>
-                        <a:rPr lang="es-ES" sz="1000" dirty="0"/>
-                        <a:t>:</a:t>
-                      </a:r>
-                    </a:p>
-                    <a:p>
-                      <a:r>
-                        <a:rPr lang="es-ES" sz="1000" dirty="0"/>
+                        <a:t>Necesitamos:</a:t>
+                      </a:r>
+                    </a:p>
+                    <a:p>
+                      <a:r>
+                        <a:rPr lang="es-ES" sz="1000" b="1" dirty="0"/>
                         <a:t>Nombres de los productos, precios y las cantidades vendidas </a:t>
                       </a:r>
                     </a:p>
                     <a:p>
-                      <a:endParaRPr lang="es-CO" sz="1000" dirty="0"/>
+                      <a:endParaRPr lang="es-CO" sz="1000" b="1" dirty="0"/>
                     </a:p>
                   </a:txBody>
                   <a:tcPr/>
@@ -3999,7 +3970,13 @@
   <p:cSld>
     <p:spTree>
       <p:nvGrpSpPr>
-        <p:cNvPr id="1" name=""/>
+        <p:cNvPr id="1" name="">
+          <a:extLst>
+            <a:ext uri="{FF2B5EF4-FFF2-40B4-BE49-F238E27FC236}">
+              <a16:creationId xmlns:a16="http://schemas.microsoft.com/office/drawing/2014/main" id="{0A583650-E3A8-090D-55E2-34914A23625E}"/>
+            </a:ext>
+          </a:extLst>
+        </p:cNvPr>
         <p:cNvGrpSpPr/>
         <p:nvPr/>
       </p:nvGrpSpPr>
@@ -4013,10 +3990,10 @@
       </p:grpSpPr>
       <p:graphicFrame>
         <p:nvGraphicFramePr>
-          <p:cNvPr id="2" name="Tabla 1">
-            <a:extLst>
-              <a:ext uri="{FF2B5EF4-FFF2-40B4-BE49-F238E27FC236}">
-                <a16:creationId xmlns:a16="http://schemas.microsoft.com/office/drawing/2014/main" id="{8989EB45-64D2-B579-F3FD-E577D723FFB9}"/>
+          <p:cNvPr id="4" name="Tabla 3">
+            <a:extLst>
+              <a:ext uri="{FF2B5EF4-FFF2-40B4-BE49-F238E27FC236}">
+                <a16:creationId xmlns:a16="http://schemas.microsoft.com/office/drawing/2014/main" id="{1690594C-EB8B-2D9C-56C6-5CED8C6D5FFB}"/>
               </a:ext>
             </a:extLst>
           </p:cNvPr>
@@ -4026,14 +4003,14 @@
           <p:nvPr>
             <p:extLst>
               <p:ext uri="{D42A27DB-BD31-4B8C-83A1-F6EECF244321}">
-                <p14:modId xmlns:p14="http://schemas.microsoft.com/office/powerpoint/2010/main" val="272611886"/>
+                <p14:modId xmlns:p14="http://schemas.microsoft.com/office/powerpoint/2010/main" val="3602939952"/>
               </p:ext>
             </p:extLst>
           </p:nvPr>
         </p:nvGraphicFramePr>
         <p:xfrm>
-          <a:off x="359769" y="201336"/>
-          <a:ext cx="10742759" cy="3535680"/>
+          <a:off x="737679" y="396777"/>
+          <a:ext cx="10716642" cy="2072640"/>
         </p:xfrm>
         <a:graphic>
           <a:graphicData uri="http://schemas.openxmlformats.org/drawingml/2006/table">
@@ -4042,48 +4019,48 @@
                 <a:tableStyleId>{5C22544A-7EE6-4342-B048-85BDC9FD1C3A}</a:tableStyleId>
               </a:tblPr>
               <a:tblGrid>
-                <a:gridCol w="1103240">
+                <a:gridCol w="1100558">
                   <a:extLst>
                     <a:ext uri="{9D8B030D-6E8A-4147-A177-3AD203B41FA5}">
-                      <a16:colId xmlns:a16="http://schemas.microsoft.com/office/drawing/2014/main" val="1670626766"/>
+                      <a16:colId xmlns:a16="http://schemas.microsoft.com/office/drawing/2014/main" val="321582989"/>
                     </a:ext>
                   </a:extLst>
                 </a:gridCol>
-                <a:gridCol w="1927904">
+                <a:gridCol w="1923217">
                   <a:extLst>
                     <a:ext uri="{9D8B030D-6E8A-4147-A177-3AD203B41FA5}">
-                      <a16:colId xmlns:a16="http://schemas.microsoft.com/office/drawing/2014/main" val="3262603485"/>
+                      <a16:colId xmlns:a16="http://schemas.microsoft.com/office/drawing/2014/main" val="3778925154"/>
                     </a:ext>
                   </a:extLst>
                 </a:gridCol>
-                <a:gridCol w="4695758">
+                <a:gridCol w="4684342">
                   <a:extLst>
                     <a:ext uri="{9D8B030D-6E8A-4147-A177-3AD203B41FA5}">
-                      <a16:colId xmlns:a16="http://schemas.microsoft.com/office/drawing/2014/main" val="731734115"/>
+                      <a16:colId xmlns:a16="http://schemas.microsoft.com/office/drawing/2014/main" val="903937502"/>
                     </a:ext>
                   </a:extLst>
                 </a:gridCol>
-                <a:gridCol w="3015857">
+                <a:gridCol w="3008525">
                   <a:extLst>
                     <a:ext uri="{9D8B030D-6E8A-4147-A177-3AD203B41FA5}">
-                      <a16:colId xmlns:a16="http://schemas.microsoft.com/office/drawing/2014/main" val="398558240"/>
+                      <a16:colId xmlns:a16="http://schemas.microsoft.com/office/drawing/2014/main" val="523859923"/>
                     </a:ext>
                   </a:extLst>
                 </a:gridCol>
               </a:tblGrid>
-              <a:tr h="1458917">
+              <a:tr h="1575956">
                 <a:tc>
                   <a:txBody>
                     <a:bodyPr/>
                     <a:lstStyle/>
                     <a:p>
                       <a:r>
-                        <a:rPr lang="es-ES" sz="1000" dirty="0">
+                        <a:rPr lang="es-MX" sz="1000" dirty="0">
                           <a:solidFill>
                             <a:schemeClr val="bg1"/>
                           </a:solidFill>
                         </a:rPr>
-                        <a:t>US007</a:t>
+                        <a:t>US005</a:t>
                       </a:r>
                       <a:endParaRPr lang="es-CO" sz="1000" dirty="0">
                         <a:solidFill>
@@ -4104,13 +4081,28 @@
                     <a:lstStyle/>
                     <a:p>
                       <a:r>
-                        <a:rPr lang="es-ES" sz="1000" dirty="0"/>
+                        <a:rPr lang="es-MX" sz="1000" b="1" dirty="0">
+                          <a:solidFill>
+                            <a:schemeClr val="tx1"/>
+                          </a:solidFill>
+                        </a:rPr>
                         <a:t>CU005</a:t>
                       </a:r>
-                      <a:endParaRPr lang="es-CO" sz="1000" dirty="0"/>
+                      <a:endParaRPr lang="es-CO" sz="1000" b="1" dirty="0">
+                        <a:solidFill>
+                          <a:schemeClr val="tx1"/>
+                        </a:solidFill>
+                      </a:endParaRPr>
                     </a:p>
                   </a:txBody>
-                  <a:tcPr/>
+                  <a:tcPr>
+                    <a:solidFill>
+                      <a:schemeClr val="tx2">
+                        <a:lumMod val="20000"/>
+                        <a:lumOff val="80000"/>
+                      </a:schemeClr>
+                    </a:solidFill>
+                  </a:tcPr>
                 </a:tc>
                 <a:tc>
                   <a:txBody>
@@ -4118,12 +4110,23 @@
                     <a:lstStyle/>
                     <a:p>
                       <a:r>
-                        <a:rPr lang="pt-BR" sz="1000" dirty="0"/>
-                        <a:t>COMO cliente NECESITO poder tener una opcion para hacer las reservas de turnos </a:t>
+                        <a:rPr lang="pt-BR" sz="1000" b="1" dirty="0">
+                          <a:solidFill>
+                            <a:schemeClr val="tx1"/>
+                          </a:solidFill>
+                        </a:rPr>
+                        <a:t>COMO Cliente NECESITO poder tener opcion para realizar reservas de turnos </a:t>
                       </a:r>
                     </a:p>
                   </a:txBody>
-                  <a:tcPr/>
+                  <a:tcPr>
+                    <a:solidFill>
+                      <a:schemeClr val="tx2">
+                        <a:lumMod val="20000"/>
+                        <a:lumOff val="80000"/>
+                      </a:schemeClr>
+                    </a:solidFill>
+                  </a:tcPr>
                 </a:tc>
                 <a:tc>
                   <a:txBody>
@@ -4131,7 +4134,11 @@
                     <a:lstStyle/>
                     <a:p>
                       <a:r>
-                        <a:rPr lang="es-ES" sz="1000" dirty="0"/>
+                        <a:rPr lang="es-ES" sz="1000" b="1" dirty="0">
+                          <a:solidFill>
+                            <a:schemeClr val="tx1"/>
+                          </a:solidFill>
+                        </a:rPr>
                         <a:t>Escenarios: </a:t>
                       </a:r>
                     </a:p>
@@ -4141,7 +4148,11 @@
                         <a:buChar char="•"/>
                       </a:pPr>
                       <a:r>
-                        <a:rPr lang="es-ES" sz="1000" dirty="0"/>
+                        <a:rPr lang="es-ES" sz="1000" b="1" dirty="0">
+                          <a:solidFill>
+                            <a:schemeClr val="tx1"/>
+                          </a:solidFill>
+                        </a:rPr>
                         <a:t>Contar con un apartado donde se pueda reservar </a:t>
                       </a:r>
                     </a:p>
@@ -4151,7 +4162,11 @@
                         <a:buChar char="•"/>
                       </a:pPr>
                       <a:r>
-                        <a:rPr lang="es-ES" sz="1000" dirty="0"/>
+                        <a:rPr lang="es-ES" sz="1000" b="1" dirty="0">
+                          <a:solidFill>
+                            <a:schemeClr val="tx1"/>
+                          </a:solidFill>
+                        </a:rPr>
                         <a:t>Asignar el barbero de confianza o el que este disponible  </a:t>
                       </a:r>
                     </a:p>
@@ -4161,7 +4176,11 @@
                         <a:buChar char="•"/>
                       </a:pPr>
                       <a:r>
-                        <a:rPr lang="es-ES" sz="1000" dirty="0"/>
+                        <a:rPr lang="es-ES" sz="1000" b="1" dirty="0">
+                          <a:solidFill>
+                            <a:schemeClr val="tx1"/>
+                          </a:solidFill>
+                        </a:rPr>
                         <a:t> Seleccionar el día y la hora disponible y seleccionar el tipo de corte a realizar </a:t>
                       </a:r>
                     </a:p>
@@ -4171,7 +4190,11 @@
                         <a:buChar char="•"/>
                       </a:pPr>
                       <a:r>
-                        <a:rPr lang="es-ES" sz="1000" dirty="0"/>
+                        <a:rPr lang="es-ES" sz="1000" b="1" dirty="0">
+                          <a:solidFill>
+                            <a:schemeClr val="tx1"/>
+                          </a:solidFill>
+                        </a:rPr>
                         <a:t>Se hace la reserva del turno </a:t>
                       </a:r>
                     </a:p>
@@ -4181,55 +4204,127 @@
                         <a:buChar char="•"/>
                       </a:pPr>
                       <a:r>
-                        <a:rPr lang="es-ES" sz="1000" dirty="0"/>
+                        <a:rPr lang="es-ES" sz="1000" b="1" dirty="0">
+                          <a:solidFill>
+                            <a:schemeClr val="tx1"/>
+                          </a:solidFill>
+                        </a:rPr>
                         <a:t>Contara con un recordatorio de su reserva</a:t>
                       </a:r>
                     </a:p>
                     <a:p>
-                      <a:pPr marL="285750" indent="-285750">
-                        <a:buFont typeface="Arial" panose="020B0604020202020204" pitchFamily="34" charset="0"/>
-                        <a:buChar char="•"/>
-                      </a:pPr>
-                      <a:endParaRPr lang="es-ES" sz="1000" dirty="0"/>
-                    </a:p>
-                    <a:p>
-                      <a:r>
-                        <a:rPr lang="es-ES" sz="1000" b="1" dirty="0"/>
-                        <a:t>Necesitamos</a:t>
-                      </a:r>
-                      <a:r>
-                        <a:rPr lang="es-ES" sz="1000" dirty="0"/>
-                        <a:t>:</a:t>
-                      </a:r>
-                    </a:p>
-                    <a:p>
-                      <a:r>
-                        <a:rPr lang="es-ES" sz="1000" dirty="0"/>
+                      <a:r>
+                        <a:rPr lang="es-ES" sz="1000" b="1" dirty="0">
+                          <a:solidFill>
+                            <a:schemeClr val="tx1"/>
+                          </a:solidFill>
+                        </a:rPr>
+                        <a:t>Necesitamos:</a:t>
+                      </a:r>
+                    </a:p>
+                    <a:p>
+                      <a:r>
+                        <a:rPr lang="es-ES" sz="1000" b="1" dirty="0">
+                          <a:solidFill>
+                            <a:schemeClr val="tx1"/>
+                          </a:solidFill>
+                        </a:rPr>
                         <a:t> Seleccionar la fecha, hora y día que este disponible, corte a realizar,  el barbero el cual desea o este disponible  </a:t>
                       </a:r>
                     </a:p>
                   </a:txBody>
-                  <a:tcPr/>
+                  <a:tcPr>
+                    <a:solidFill>
+                      <a:schemeClr val="tx2">
+                        <a:lumMod val="20000"/>
+                        <a:lumOff val="80000"/>
+                      </a:schemeClr>
+                    </a:solidFill>
+                  </a:tcPr>
                 </a:tc>
                 <a:extLst>
                   <a:ext uri="{0D108BD9-81ED-4DB2-BD59-A6C34878D82A}">
-                    <a16:rowId xmlns:a16="http://schemas.microsoft.com/office/drawing/2014/main" val="4177710064"/>
+                    <a16:rowId xmlns:a16="http://schemas.microsoft.com/office/drawing/2014/main" val="3842020864"/>
                   </a:ext>
                 </a:extLst>
               </a:tr>
-              <a:tr h="899277">
+            </a:tbl>
+          </a:graphicData>
+        </a:graphic>
+      </p:graphicFrame>
+      <p:graphicFrame>
+        <p:nvGraphicFramePr>
+          <p:cNvPr id="3" name="Tabla 2">
+            <a:extLst>
+              <a:ext uri="{FF2B5EF4-FFF2-40B4-BE49-F238E27FC236}">
+                <a16:creationId xmlns:a16="http://schemas.microsoft.com/office/drawing/2014/main" id="{3C1D7C3B-1118-DCF5-D7AF-BE3FE061C2CE}"/>
+              </a:ext>
+            </a:extLst>
+          </p:cNvPr>
+          <p:cNvGraphicFramePr>
+            <a:graphicFrameLocks noGrp="1"/>
+          </p:cNvGraphicFramePr>
+          <p:nvPr>
+            <p:extLst>
+              <p:ext uri="{D42A27DB-BD31-4B8C-83A1-F6EECF244321}">
+                <p14:modId xmlns:p14="http://schemas.microsoft.com/office/powerpoint/2010/main" val="3294340249"/>
+              </p:ext>
+            </p:extLst>
+          </p:nvPr>
+        </p:nvGraphicFramePr>
+        <p:xfrm>
+          <a:off x="737679" y="2469417"/>
+          <a:ext cx="10716642" cy="1310640"/>
+        </p:xfrm>
+        <a:graphic>
+          <a:graphicData uri="http://schemas.openxmlformats.org/drawingml/2006/table">
+            <a:tbl>
+              <a:tblPr firstRow="1" bandRow="1">
+                <a:tableStyleId>{5C22544A-7EE6-4342-B048-85BDC9FD1C3A}</a:tableStyleId>
+              </a:tblPr>
+              <a:tblGrid>
+                <a:gridCol w="1100558">
+                  <a:extLst>
+                    <a:ext uri="{9D8B030D-6E8A-4147-A177-3AD203B41FA5}">
+                      <a16:colId xmlns:a16="http://schemas.microsoft.com/office/drawing/2014/main" val="3644436492"/>
+                    </a:ext>
+                  </a:extLst>
+                </a:gridCol>
+                <a:gridCol w="1923217">
+                  <a:extLst>
+                    <a:ext uri="{9D8B030D-6E8A-4147-A177-3AD203B41FA5}">
+                      <a16:colId xmlns:a16="http://schemas.microsoft.com/office/drawing/2014/main" val="763766308"/>
+                    </a:ext>
+                  </a:extLst>
+                </a:gridCol>
+                <a:gridCol w="4684342">
+                  <a:extLst>
+                    <a:ext uri="{9D8B030D-6E8A-4147-A177-3AD203B41FA5}">
+                      <a16:colId xmlns:a16="http://schemas.microsoft.com/office/drawing/2014/main" val="1891370535"/>
+                    </a:ext>
+                  </a:extLst>
+                </a:gridCol>
+                <a:gridCol w="3008525">
+                  <a:extLst>
+                    <a:ext uri="{9D8B030D-6E8A-4147-A177-3AD203B41FA5}">
+                      <a16:colId xmlns:a16="http://schemas.microsoft.com/office/drawing/2014/main" val="204779610"/>
+                    </a:ext>
+                  </a:extLst>
+                </a:gridCol>
+              </a:tblGrid>
+              <a:tr h="195646">
                 <a:tc>
                   <a:txBody>
                     <a:bodyPr/>
                     <a:lstStyle/>
                     <a:p>
                       <a:r>
-                        <a:rPr lang="es-ES" sz="1000" dirty="0">
+                        <a:rPr lang="es-MX" sz="1000" dirty="0">
                           <a:solidFill>
                             <a:schemeClr val="bg1"/>
                           </a:solidFill>
                         </a:rPr>
-                        <a:t>US008</a:t>
+                        <a:t>US006</a:t>
                       </a:r>
                       <a:endParaRPr lang="es-CO" sz="1000" dirty="0">
                         <a:solidFill>
@@ -4250,13 +4345,28 @@
                     <a:lstStyle/>
                     <a:p>
                       <a:r>
-                        <a:rPr lang="es-ES" sz="1000" dirty="0"/>
+                        <a:rPr lang="es-MX" sz="1000" b="1" dirty="0">
+                          <a:solidFill>
+                            <a:schemeClr val="tx1"/>
+                          </a:solidFill>
+                        </a:rPr>
                         <a:t>CU006</a:t>
                       </a:r>
-                      <a:endParaRPr lang="es-CO" sz="1000" dirty="0"/>
+                      <a:endParaRPr lang="es-CO" sz="1000" b="1" dirty="0">
+                        <a:solidFill>
+                          <a:schemeClr val="tx1"/>
+                        </a:solidFill>
+                      </a:endParaRPr>
                     </a:p>
                   </a:txBody>
-                  <a:tcPr/>
+                  <a:tcPr>
+                    <a:solidFill>
+                      <a:schemeClr val="tx2">
+                        <a:lumMod val="20000"/>
+                        <a:lumOff val="80000"/>
+                      </a:schemeClr>
+                    </a:solidFill>
+                  </a:tcPr>
                 </a:tc>
                 <a:tc>
                   <a:txBody>
@@ -4264,12 +4374,23 @@
                     <a:lstStyle/>
                     <a:p>
                       <a:r>
-                        <a:rPr lang="es-MX" sz="1000" dirty="0"/>
-                        <a:t>COMO cliente NECESITO poder registrarme en el sistema </a:t>
+                        <a:rPr lang="es-MX" sz="1000" b="1" dirty="0">
+                          <a:solidFill>
+                            <a:schemeClr val="tx1"/>
+                          </a:solidFill>
+                        </a:rPr>
+                        <a:t>COMO Cliente NECESITO poder registrarme en el sistema </a:t>
                       </a:r>
                     </a:p>
                   </a:txBody>
-                  <a:tcPr/>
+                  <a:tcPr>
+                    <a:solidFill>
+                      <a:schemeClr val="tx2">
+                        <a:lumMod val="20000"/>
+                        <a:lumOff val="80000"/>
+                      </a:schemeClr>
+                    </a:solidFill>
+                  </a:tcPr>
                 </a:tc>
                 <a:tc>
                   <a:txBody>
@@ -4277,7 +4398,11 @@
                     <a:lstStyle/>
                     <a:p>
                       <a:r>
-                        <a:rPr lang="es-ES" sz="1000" dirty="0"/>
+                        <a:rPr lang="es-ES" sz="1000" b="1" dirty="0">
+                          <a:solidFill>
+                            <a:schemeClr val="tx1"/>
+                          </a:solidFill>
+                        </a:rPr>
                         <a:t>Escenarios: </a:t>
                       </a:r>
                     </a:p>
@@ -4287,7 +4412,11 @@
                         <a:buChar char="•"/>
                       </a:pPr>
                       <a:r>
-                        <a:rPr lang="es-ES" sz="1000" b="0" dirty="0"/>
+                        <a:rPr lang="es-ES" sz="1000" b="1" dirty="0">
+                          <a:solidFill>
+                            <a:schemeClr val="tx1"/>
+                          </a:solidFill>
+                        </a:rPr>
                         <a:t>Contara con un botón de registro que desplegara un formulario </a:t>
                       </a:r>
                     </a:p>
@@ -4297,7 +4426,11 @@
                         <a:buChar char="•"/>
                       </a:pPr>
                       <a:r>
-                        <a:rPr lang="es-ES" sz="1000" b="0" dirty="0"/>
+                        <a:rPr lang="es-ES" sz="1000" b="1" dirty="0">
+                          <a:solidFill>
+                            <a:schemeClr val="tx1"/>
+                          </a:solidFill>
+                        </a:rPr>
                         <a:t>Deberá seguir los pasos para hacer su registro </a:t>
                       </a:r>
                     </a:p>
@@ -4307,12 +4440,12 @@
                         <a:buNone/>
                       </a:pPr>
                       <a:r>
-                        <a:rPr lang="es-ES" sz="1000" b="1" dirty="0"/>
-                        <a:t>Necesitamos</a:t>
-                      </a:r>
-                      <a:r>
-                        <a:rPr lang="es-ES" sz="1000" dirty="0"/>
-                        <a:t>:</a:t>
+                        <a:rPr lang="es-ES" sz="1000" b="1" dirty="0">
+                          <a:solidFill>
+                            <a:schemeClr val="tx1"/>
+                          </a:solidFill>
+                        </a:rPr>
+                        <a:t>Necesitamos:</a:t>
                       </a:r>
                     </a:p>
                     <a:p>
@@ -4334,24 +4467,515 @@
                         <a:defRPr/>
                       </a:pPr>
                       <a:r>
-                        <a:rPr lang="es-MX" sz="1000" dirty="0">
+                        <a:rPr lang="es-MX" sz="1000" b="1" dirty="0">
+                          <a:solidFill>
+                            <a:schemeClr val="tx1"/>
+                          </a:solidFill>
                           <a:effectLst/>
                         </a:rPr>
                         <a:t>Nombre de usuario, fecha de nacimiento, correo electrónico, contraseña.</a:t>
                       </a:r>
-                      <a:endParaRPr lang="es-CO" sz="1000" dirty="0">
+                      <a:endParaRPr lang="es-CO" sz="1000" b="1" dirty="0">
+                        <a:solidFill>
+                          <a:schemeClr val="tx1"/>
+                        </a:solidFill>
                         <a:effectLst/>
                       </a:endParaRPr>
                     </a:p>
                     <a:p>
-                      <a:endParaRPr lang="es-CO" sz="1000" dirty="0"/>
+                      <a:endParaRPr lang="es-CO" sz="1000" b="1" dirty="0">
+                        <a:solidFill>
+                          <a:schemeClr val="tx1"/>
+                        </a:solidFill>
+                      </a:endParaRPr>
                     </a:p>
                   </a:txBody>
-                  <a:tcPr/>
+                  <a:tcPr>
+                    <a:solidFill>
+                      <a:schemeClr val="tx2">
+                        <a:lumMod val="20000"/>
+                        <a:lumOff val="80000"/>
+                      </a:schemeClr>
+                    </a:solidFill>
+                  </a:tcPr>
                 </a:tc>
                 <a:extLst>
                   <a:ext uri="{0D108BD9-81ED-4DB2-BD59-A6C34878D82A}">
-                    <a16:rowId xmlns:a16="http://schemas.microsoft.com/office/drawing/2014/main" val="3922010544"/>
+                    <a16:rowId xmlns:a16="http://schemas.microsoft.com/office/drawing/2014/main" val="1687719860"/>
+                  </a:ext>
+                </a:extLst>
+              </a:tr>
+            </a:tbl>
+          </a:graphicData>
+        </a:graphic>
+      </p:graphicFrame>
+      <p:graphicFrame>
+        <p:nvGraphicFramePr>
+          <p:cNvPr id="5" name="Tabla 4">
+            <a:extLst>
+              <a:ext uri="{FF2B5EF4-FFF2-40B4-BE49-F238E27FC236}">
+                <a16:creationId xmlns:a16="http://schemas.microsoft.com/office/drawing/2014/main" id="{D3E0AD6F-2382-85FF-EC2F-B3BAD1FA3905}"/>
+              </a:ext>
+            </a:extLst>
+          </p:cNvPr>
+          <p:cNvGraphicFramePr>
+            <a:graphicFrameLocks noGrp="1"/>
+          </p:cNvGraphicFramePr>
+          <p:nvPr>
+            <p:extLst>
+              <p:ext uri="{D42A27DB-BD31-4B8C-83A1-F6EECF244321}">
+                <p14:modId xmlns:p14="http://schemas.microsoft.com/office/powerpoint/2010/main" val="3421437749"/>
+              </p:ext>
+            </p:extLst>
+          </p:nvPr>
+        </p:nvGraphicFramePr>
+        <p:xfrm>
+          <a:off x="737679" y="3780057"/>
+          <a:ext cx="10716642" cy="1310640"/>
+        </p:xfrm>
+        <a:graphic>
+          <a:graphicData uri="http://schemas.openxmlformats.org/drawingml/2006/table">
+            <a:tbl>
+              <a:tblPr firstRow="1" bandRow="1">
+                <a:tableStyleId>{5C22544A-7EE6-4342-B048-85BDC9FD1C3A}</a:tableStyleId>
+              </a:tblPr>
+              <a:tblGrid>
+                <a:gridCol w="1100558">
+                  <a:extLst>
+                    <a:ext uri="{9D8B030D-6E8A-4147-A177-3AD203B41FA5}">
+                      <a16:colId xmlns:a16="http://schemas.microsoft.com/office/drawing/2014/main" val="3476361461"/>
+                    </a:ext>
+                  </a:extLst>
+                </a:gridCol>
+                <a:gridCol w="1923217">
+                  <a:extLst>
+                    <a:ext uri="{9D8B030D-6E8A-4147-A177-3AD203B41FA5}">
+                      <a16:colId xmlns:a16="http://schemas.microsoft.com/office/drawing/2014/main" val="2315259827"/>
+                    </a:ext>
+                  </a:extLst>
+                </a:gridCol>
+                <a:gridCol w="4684342">
+                  <a:extLst>
+                    <a:ext uri="{9D8B030D-6E8A-4147-A177-3AD203B41FA5}">
+                      <a16:colId xmlns:a16="http://schemas.microsoft.com/office/drawing/2014/main" val="1605899094"/>
+                    </a:ext>
+                  </a:extLst>
+                </a:gridCol>
+                <a:gridCol w="3008525">
+                  <a:extLst>
+                    <a:ext uri="{9D8B030D-6E8A-4147-A177-3AD203B41FA5}">
+                      <a16:colId xmlns:a16="http://schemas.microsoft.com/office/drawing/2014/main" val="1070459521"/>
+                    </a:ext>
+                  </a:extLst>
+                </a:gridCol>
+              </a:tblGrid>
+              <a:tr h="195646">
+                <a:tc>
+                  <a:txBody>
+                    <a:bodyPr/>
+                    <a:lstStyle/>
+                    <a:p>
+                      <a:r>
+                        <a:rPr lang="es-MX" sz="1000" dirty="0">
+                          <a:solidFill>
+                            <a:schemeClr val="bg1"/>
+                          </a:solidFill>
+                        </a:rPr>
+                        <a:t>US007</a:t>
+                      </a:r>
+                      <a:endParaRPr lang="es-CO" sz="1000" dirty="0">
+                        <a:solidFill>
+                          <a:schemeClr val="bg1"/>
+                        </a:solidFill>
+                      </a:endParaRPr>
+                    </a:p>
+                  </a:txBody>
+                  <a:tcPr>
+                    <a:solidFill>
+                      <a:schemeClr val="accent6"/>
+                    </a:solidFill>
+                  </a:tcPr>
+                </a:tc>
+                <a:tc>
+                  <a:txBody>
+                    <a:bodyPr/>
+                    <a:lstStyle/>
+                    <a:p>
+                      <a:r>
+                        <a:rPr lang="es-MX" sz="1000" b="1" dirty="0">
+                          <a:solidFill>
+                            <a:schemeClr val="tx1"/>
+                          </a:solidFill>
+                        </a:rPr>
+                        <a:t>CU007</a:t>
+                      </a:r>
+                      <a:endParaRPr lang="es-CO" sz="1000" b="1" dirty="0">
+                        <a:solidFill>
+                          <a:schemeClr val="tx1"/>
+                        </a:solidFill>
+                      </a:endParaRPr>
+                    </a:p>
+                  </a:txBody>
+                  <a:tcPr>
+                    <a:solidFill>
+                      <a:schemeClr val="tx2">
+                        <a:lumMod val="20000"/>
+                        <a:lumOff val="80000"/>
+                      </a:schemeClr>
+                    </a:solidFill>
+                  </a:tcPr>
+                </a:tc>
+                <a:tc>
+                  <a:txBody>
+                    <a:bodyPr/>
+                    <a:lstStyle/>
+                    <a:p>
+                      <a:r>
+                        <a:rPr lang="es-MX" sz="1000" b="1" dirty="0">
+                          <a:solidFill>
+                            <a:schemeClr val="tx1"/>
+                          </a:solidFill>
+                        </a:rPr>
+                        <a:t>COMO Administrador NECESITO actualizar la cantidad de productos que se encuentran disponibles en el inventario para tener un Stock real </a:t>
+                      </a:r>
+                      <a:endParaRPr lang="es-CO" sz="1000" b="1" dirty="0">
+                        <a:solidFill>
+                          <a:schemeClr val="tx1"/>
+                        </a:solidFill>
+                      </a:endParaRPr>
+                    </a:p>
+                  </a:txBody>
+                  <a:tcPr>
+                    <a:solidFill>
+                      <a:schemeClr val="tx2">
+                        <a:lumMod val="20000"/>
+                        <a:lumOff val="80000"/>
+                      </a:schemeClr>
+                    </a:solidFill>
+                  </a:tcPr>
+                </a:tc>
+                <a:tc>
+                  <a:txBody>
+                    <a:bodyPr/>
+                    <a:lstStyle/>
+                    <a:p>
+                      <a:r>
+                        <a:rPr lang="es-MX" sz="1000" b="1" dirty="0">
+                          <a:solidFill>
+                            <a:schemeClr val="tx1"/>
+                          </a:solidFill>
+                        </a:rPr>
+                        <a:t>Escenarios:</a:t>
+                      </a:r>
+                    </a:p>
+                    <a:p>
+                      <a:pPr marL="171450" indent="-171450">
+                        <a:buFont typeface="Arial" panose="020B0604020202020204" pitchFamily="34" charset="0"/>
+                        <a:buChar char="•"/>
+                      </a:pPr>
+                      <a:r>
+                        <a:rPr lang="es-MX" sz="1000" b="1" dirty="0">
+                          <a:solidFill>
+                            <a:schemeClr val="tx1"/>
+                          </a:solidFill>
+                        </a:rPr>
+                        <a:t>Que cuando se registre una venta se disminuya la cantidad del producto en el inventario y genere una alerta de esto</a:t>
+                      </a:r>
+                    </a:p>
+                    <a:p>
+                      <a:pPr marL="171450" indent="-171450">
+                        <a:buFont typeface="Arial" panose="020B0604020202020204" pitchFamily="34" charset="0"/>
+                        <a:buChar char="•"/>
+                      </a:pPr>
+                      <a:r>
+                        <a:rPr lang="es-MX" sz="1000" b="1" dirty="0">
+                          <a:solidFill>
+                            <a:schemeClr val="tx1"/>
+                          </a:solidFill>
+                        </a:rPr>
+                        <a:t>Que el inventario se pueda mantener actualizado  </a:t>
+                      </a:r>
+                    </a:p>
+                    <a:p>
+                      <a:pPr marL="171450" indent="-171450">
+                        <a:buFont typeface="Arial" panose="020B0604020202020204" pitchFamily="34" charset="0"/>
+                        <a:buChar char="•"/>
+                      </a:pPr>
+                      <a:endParaRPr lang="es-MX" sz="1000" b="1" dirty="0">
+                        <a:solidFill>
+                          <a:schemeClr val="tx1"/>
+                        </a:solidFill>
+                      </a:endParaRPr>
+                    </a:p>
+                    <a:p>
+                      <a:pPr marL="0" indent="0">
+                        <a:buFont typeface="Arial" panose="020B0604020202020204" pitchFamily="34" charset="0"/>
+                        <a:buNone/>
+                      </a:pPr>
+                      <a:r>
+                        <a:rPr lang="es-MX" sz="1000" b="1" dirty="0">
+                          <a:solidFill>
+                            <a:schemeClr val="tx1"/>
+                          </a:solidFill>
+                        </a:rPr>
+                        <a:t>Necesitamos: nombre , precio y cantidades del producto vendido </a:t>
+                      </a:r>
+                      <a:endParaRPr lang="es-CO" sz="1000" b="1" dirty="0">
+                        <a:solidFill>
+                          <a:schemeClr val="tx1"/>
+                        </a:solidFill>
+                      </a:endParaRPr>
+                    </a:p>
+                  </a:txBody>
+                  <a:tcPr>
+                    <a:solidFill>
+                      <a:schemeClr val="tx2">
+                        <a:lumMod val="20000"/>
+                        <a:lumOff val="80000"/>
+                      </a:schemeClr>
+                    </a:solidFill>
+                  </a:tcPr>
+                </a:tc>
+                <a:extLst>
+                  <a:ext uri="{0D108BD9-81ED-4DB2-BD59-A6C34878D82A}">
+                    <a16:rowId xmlns:a16="http://schemas.microsoft.com/office/drawing/2014/main" val="3982180967"/>
+                  </a:ext>
+                </a:extLst>
+              </a:tr>
+            </a:tbl>
+          </a:graphicData>
+        </a:graphic>
+      </p:graphicFrame>
+      <p:graphicFrame>
+        <p:nvGraphicFramePr>
+          <p:cNvPr id="6" name="Tabla 5">
+            <a:extLst>
+              <a:ext uri="{FF2B5EF4-FFF2-40B4-BE49-F238E27FC236}">
+                <a16:creationId xmlns:a16="http://schemas.microsoft.com/office/drawing/2014/main" id="{42CF4FEB-28FB-ED9C-F5C7-5A2C26504305}"/>
+              </a:ext>
+            </a:extLst>
+          </p:cNvPr>
+          <p:cNvGraphicFramePr>
+            <a:graphicFrameLocks noGrp="1"/>
+          </p:cNvGraphicFramePr>
+          <p:nvPr>
+            <p:extLst>
+              <p:ext uri="{D42A27DB-BD31-4B8C-83A1-F6EECF244321}">
+                <p14:modId xmlns:p14="http://schemas.microsoft.com/office/powerpoint/2010/main" val="1752650966"/>
+              </p:ext>
+            </p:extLst>
+          </p:nvPr>
+        </p:nvGraphicFramePr>
+        <p:xfrm>
+          <a:off x="737679" y="5079055"/>
+          <a:ext cx="10716642" cy="1158240"/>
+        </p:xfrm>
+        <a:graphic>
+          <a:graphicData uri="http://schemas.openxmlformats.org/drawingml/2006/table">
+            <a:tbl>
+              <a:tblPr firstRow="1" bandRow="1">
+                <a:tableStyleId>{5C22544A-7EE6-4342-B048-85BDC9FD1C3A}</a:tableStyleId>
+              </a:tblPr>
+              <a:tblGrid>
+                <a:gridCol w="1100558">
+                  <a:extLst>
+                    <a:ext uri="{9D8B030D-6E8A-4147-A177-3AD203B41FA5}">
+                      <a16:colId xmlns:a16="http://schemas.microsoft.com/office/drawing/2014/main" val="3645987009"/>
+                    </a:ext>
+                  </a:extLst>
+                </a:gridCol>
+                <a:gridCol w="1923217">
+                  <a:extLst>
+                    <a:ext uri="{9D8B030D-6E8A-4147-A177-3AD203B41FA5}">
+                      <a16:colId xmlns:a16="http://schemas.microsoft.com/office/drawing/2014/main" val="2570250993"/>
+                    </a:ext>
+                  </a:extLst>
+                </a:gridCol>
+                <a:gridCol w="4684342">
+                  <a:extLst>
+                    <a:ext uri="{9D8B030D-6E8A-4147-A177-3AD203B41FA5}">
+                      <a16:colId xmlns:a16="http://schemas.microsoft.com/office/drawing/2014/main" val="1513337310"/>
+                    </a:ext>
+                  </a:extLst>
+                </a:gridCol>
+                <a:gridCol w="3008525">
+                  <a:extLst>
+                    <a:ext uri="{9D8B030D-6E8A-4147-A177-3AD203B41FA5}">
+                      <a16:colId xmlns:a16="http://schemas.microsoft.com/office/drawing/2014/main" val="2490389397"/>
+                    </a:ext>
+                  </a:extLst>
+                </a:gridCol>
+              </a:tblGrid>
+              <a:tr h="195646">
+                <a:tc>
+                  <a:txBody>
+                    <a:bodyPr/>
+                    <a:lstStyle/>
+                    <a:p>
+                      <a:r>
+                        <a:rPr lang="es-MX" sz="1000" dirty="0">
+                          <a:solidFill>
+                            <a:schemeClr val="bg1"/>
+                          </a:solidFill>
+                        </a:rPr>
+                        <a:t>US008</a:t>
+                      </a:r>
+                      <a:endParaRPr lang="es-CO" sz="1000" dirty="0">
+                        <a:solidFill>
+                          <a:schemeClr val="bg1"/>
+                        </a:solidFill>
+                      </a:endParaRPr>
+                    </a:p>
+                  </a:txBody>
+                  <a:tcPr>
+                    <a:solidFill>
+                      <a:schemeClr val="accent6"/>
+                    </a:solidFill>
+                  </a:tcPr>
+                </a:tc>
+                <a:tc>
+                  <a:txBody>
+                    <a:bodyPr/>
+                    <a:lstStyle/>
+                    <a:p>
+                      <a:r>
+                        <a:rPr lang="es-MX" sz="1000" b="1" dirty="0">
+                          <a:solidFill>
+                            <a:schemeClr val="tx1"/>
+                          </a:solidFill>
+                        </a:rPr>
+                        <a:t>CU008</a:t>
+                      </a:r>
+                      <a:endParaRPr lang="es-CO" sz="1000" b="1" dirty="0">
+                        <a:solidFill>
+                          <a:schemeClr val="tx1"/>
+                        </a:solidFill>
+                      </a:endParaRPr>
+                    </a:p>
+                  </a:txBody>
+                  <a:tcPr>
+                    <a:solidFill>
+                      <a:schemeClr val="tx2">
+                        <a:lumMod val="20000"/>
+                        <a:lumOff val="80000"/>
+                      </a:schemeClr>
+                    </a:solidFill>
+                  </a:tcPr>
+                </a:tc>
+                <a:tc>
+                  <a:txBody>
+                    <a:bodyPr/>
+                    <a:lstStyle/>
+                    <a:p>
+                      <a:r>
+                        <a:rPr lang="es-MX" sz="1000" b="1" dirty="0">
+                          <a:solidFill>
+                            <a:schemeClr val="tx1"/>
+                          </a:solidFill>
+                        </a:rPr>
+                        <a:t>COMO Barbero NECESITO poder Aceptar o cancelar reservas de turno de los clientes </a:t>
+                      </a:r>
+                      <a:endParaRPr lang="es-CO" sz="1000" b="1" dirty="0">
+                        <a:solidFill>
+                          <a:schemeClr val="tx1"/>
+                        </a:solidFill>
+                      </a:endParaRPr>
+                    </a:p>
+                  </a:txBody>
+                  <a:tcPr>
+                    <a:solidFill>
+                      <a:schemeClr val="tx2">
+                        <a:lumMod val="20000"/>
+                        <a:lumOff val="80000"/>
+                      </a:schemeClr>
+                    </a:solidFill>
+                  </a:tcPr>
+                </a:tc>
+                <a:tc>
+                  <a:txBody>
+                    <a:bodyPr/>
+                    <a:lstStyle/>
+                    <a:p>
+                      <a:r>
+                        <a:rPr lang="es-MX" sz="1000" b="1" dirty="0">
+                          <a:solidFill>
+                            <a:schemeClr val="tx1"/>
+                          </a:solidFill>
+                        </a:rPr>
+                        <a:t>Escenarios:</a:t>
+                      </a:r>
+                    </a:p>
+                    <a:p>
+                      <a:pPr marL="171450" indent="-171450">
+                        <a:buFont typeface="Arial" panose="020B0604020202020204" pitchFamily="34" charset="0"/>
+                        <a:buChar char="•"/>
+                      </a:pPr>
+                      <a:r>
+                        <a:rPr lang="es-MX" sz="1000" b="1" dirty="0">
+                          <a:solidFill>
+                            <a:schemeClr val="tx1"/>
+                          </a:solidFill>
+                        </a:rPr>
+                        <a:t>Cuando un cliente realice su reserva el barbero pueda aceptar o cancelar esta reserva</a:t>
+                      </a:r>
+                    </a:p>
+                    <a:p>
+                      <a:pPr marL="171450" indent="-171450">
+                        <a:buFont typeface="Arial" panose="020B0604020202020204" pitchFamily="34" charset="0"/>
+                        <a:buChar char="•"/>
+                      </a:pPr>
+                      <a:r>
+                        <a:rPr lang="es-MX" sz="1000" b="1" dirty="0">
+                          <a:solidFill>
+                            <a:schemeClr val="tx1"/>
+                          </a:solidFill>
+                        </a:rPr>
+                        <a:t>Que el barbero pueda actualizar el estado de la reserva   </a:t>
+                      </a:r>
+                    </a:p>
+                    <a:p>
+                      <a:pPr marL="171450" indent="-171450">
+                        <a:buFont typeface="Arial" panose="020B0604020202020204" pitchFamily="34" charset="0"/>
+                        <a:buChar char="•"/>
+                      </a:pPr>
+                      <a:endParaRPr lang="es-MX" sz="1000" b="1" dirty="0">
+                        <a:solidFill>
+                          <a:schemeClr val="tx1"/>
+                        </a:solidFill>
+                      </a:endParaRPr>
+                    </a:p>
+                    <a:p>
+                      <a:pPr marL="0" indent="0">
+                        <a:buFont typeface="Arial" panose="020B0604020202020204" pitchFamily="34" charset="0"/>
+                        <a:buNone/>
+                      </a:pPr>
+                      <a:r>
+                        <a:rPr lang="es-MX" sz="1000" b="1" dirty="0">
+                          <a:solidFill>
+                            <a:schemeClr val="tx1"/>
+                          </a:solidFill>
+                        </a:rPr>
+                        <a:t>Necesitamos: Reserva del cliente </a:t>
+                      </a:r>
+                      <a:endParaRPr lang="es-CO" sz="1000" b="1" dirty="0">
+                        <a:solidFill>
+                          <a:schemeClr val="tx1"/>
+                        </a:solidFill>
+                      </a:endParaRPr>
+                    </a:p>
+                  </a:txBody>
+                  <a:tcPr>
+                    <a:solidFill>
+                      <a:schemeClr val="tx2">
+                        <a:lumMod val="20000"/>
+                        <a:lumOff val="80000"/>
+                      </a:schemeClr>
+                    </a:solidFill>
+                  </a:tcPr>
+                </a:tc>
+                <a:extLst>
+                  <a:ext uri="{0D108BD9-81ED-4DB2-BD59-A6C34878D82A}">
+                    <a16:rowId xmlns:a16="http://schemas.microsoft.com/office/drawing/2014/main" val="2201860224"/>
                   </a:ext>
                 </a:extLst>
               </a:tr>
@@ -4362,7 +4986,7 @@
     </p:spTree>
     <p:extLst>
       <p:ext uri="{BB962C8B-B14F-4D97-AF65-F5344CB8AC3E}">
-        <p14:creationId xmlns:p14="http://schemas.microsoft.com/office/powerpoint/2010/main" val="2548396169"/>
+        <p14:creationId xmlns:p14="http://schemas.microsoft.com/office/powerpoint/2010/main" val="767409118"/>
       </p:ext>
     </p:extLst>
   </p:cSld>
@@ -4404,14 +5028,14 @@
           <p:nvPr>
             <p:extLst>
               <p:ext uri="{D42A27DB-BD31-4B8C-83A1-F6EECF244321}">
-                <p14:modId xmlns:p14="http://schemas.microsoft.com/office/powerpoint/2010/main" val="591270018"/>
+                <p14:modId xmlns:p14="http://schemas.microsoft.com/office/powerpoint/2010/main" val="1441921193"/>
               </p:ext>
             </p:extLst>
           </p:nvPr>
         </p:nvGraphicFramePr>
         <p:xfrm>
-          <a:off x="422617" y="693111"/>
-          <a:ext cx="10742759" cy="1310640"/>
+          <a:off x="723539" y="591185"/>
+          <a:ext cx="10744917" cy="1615440"/>
         </p:xfrm>
         <a:graphic>
           <a:graphicData uri="http://schemas.openxmlformats.org/drawingml/2006/table">
@@ -4420,28 +5044,28 @@
                 <a:tableStyleId>{5C22544A-7EE6-4342-B048-85BDC9FD1C3A}</a:tableStyleId>
               </a:tblPr>
               <a:tblGrid>
-                <a:gridCol w="1103240">
+                <a:gridCol w="1103462">
                   <a:extLst>
                     <a:ext uri="{9D8B030D-6E8A-4147-A177-3AD203B41FA5}">
                       <a16:colId xmlns:a16="http://schemas.microsoft.com/office/drawing/2014/main" val="321582989"/>
                     </a:ext>
                   </a:extLst>
                 </a:gridCol>
-                <a:gridCol w="1927904">
+                <a:gridCol w="1928291">
                   <a:extLst>
                     <a:ext uri="{9D8B030D-6E8A-4147-A177-3AD203B41FA5}">
                       <a16:colId xmlns:a16="http://schemas.microsoft.com/office/drawing/2014/main" val="3778925154"/>
                     </a:ext>
                   </a:extLst>
                 </a:gridCol>
-                <a:gridCol w="4695758">
+                <a:gridCol w="4696701">
                   <a:extLst>
                     <a:ext uri="{9D8B030D-6E8A-4147-A177-3AD203B41FA5}">
                       <a16:colId xmlns:a16="http://schemas.microsoft.com/office/drawing/2014/main" val="903937502"/>
                     </a:ext>
                   </a:extLst>
                 </a:gridCol>
-                <a:gridCol w="3015857">
+                <a:gridCol w="3016463">
                   <a:extLst>
                     <a:ext uri="{9D8B030D-6E8A-4147-A177-3AD203B41FA5}">
                       <a16:colId xmlns:a16="http://schemas.microsoft.com/office/drawing/2014/main" val="523859923"/>
@@ -4449,7 +5073,7 @@
                   </a:extLst>
                 </a:gridCol>
               </a:tblGrid>
-              <a:tr h="195646">
+              <a:tr h="1547381">
                 <a:tc>
                   <a:txBody>
                     <a:bodyPr/>
@@ -4461,7 +5085,7 @@
                             <a:schemeClr val="bg1"/>
                           </a:solidFill>
                         </a:rPr>
-                        <a:t>US0010</a:t>
+                        <a:t>US009</a:t>
                       </a:r>
                       <a:endParaRPr lang="es-CO" sz="1000" dirty="0">
                         <a:solidFill>
@@ -4482,18 +5106,13 @@
                     <a:lstStyle/>
                     <a:p>
                       <a:r>
-                        <a:rPr lang="es-MX" sz="1000" b="0" dirty="0">
+                        <a:rPr lang="es-MX" sz="1000" b="1" dirty="0">
                           <a:solidFill>
                             <a:schemeClr val="tx1"/>
                           </a:solidFill>
                         </a:rPr>
-                        <a:t>CU007</a:t>
-                      </a:r>
-                      <a:endParaRPr lang="es-CO" sz="1000" b="0" dirty="0">
-                        <a:solidFill>
-                          <a:schemeClr val="tx1"/>
-                        </a:solidFill>
-                      </a:endParaRPr>
+                        <a:t>CUU009</a:t>
+                      </a:r>
                     </a:p>
                   </a:txBody>
                   <a:tcPr>
@@ -4511,14 +5130,14 @@
                     <a:lstStyle/>
                     <a:p>
                       <a:r>
-                        <a:rPr lang="es-MX" sz="1000" b="0" dirty="0">
+                        <a:rPr lang="es-MX" sz="1000" b="1" dirty="0">
                           <a:solidFill>
                             <a:schemeClr val="tx1"/>
                           </a:solidFill>
                         </a:rPr>
-                        <a:t>COMO Administrador NECESITO actualizar la cantidad de productos que se encuentran disponibles en el inventario para tener un Stock real </a:t>
-                      </a:r>
-                      <a:endParaRPr lang="es-CO" sz="1000" b="0" dirty="0">
+                        <a:t>COMO Administrador NECESITO poder crear las cuentas de los Barberos</a:t>
+                      </a:r>
+                      <a:endParaRPr lang="es-CO" sz="1000" b="1" dirty="0">
                         <a:solidFill>
                           <a:schemeClr val="tx1"/>
                         </a:solidFill>
@@ -4540,7 +5159,7 @@
                     <a:lstStyle/>
                     <a:p>
                       <a:r>
-                        <a:rPr lang="es-MX" sz="1000" b="0" dirty="0">
+                        <a:rPr lang="es-MX" sz="1000" b="1" dirty="0">
                           <a:solidFill>
                             <a:schemeClr val="tx1"/>
                           </a:solidFill>
@@ -4554,12 +5173,12 @@
                         <a:buChar char="•"/>
                       </a:pPr>
                       <a:r>
-                        <a:rPr lang="es-MX" sz="1000" b="0" dirty="0">
+                        <a:rPr lang="es-MX" sz="1000" b="1" dirty="0">
                           <a:solidFill>
                             <a:schemeClr val="tx1"/>
                           </a:solidFill>
                         </a:rPr>
-                        <a:t>Que cuando se registre una venta se disminuya la cantidad del producto en el inventario y genere una alerta de esto</a:t>
+                        <a:t>Cuando el Administrador cree este usuario los barberos puedan ingresar sin ningún error a su rol y apartado </a:t>
                       </a:r>
                     </a:p>
                     <a:p>
@@ -4568,12 +5187,12 @@
                         <a:buChar char="•"/>
                       </a:pPr>
                       <a:r>
-                        <a:rPr lang="es-MX" sz="1000" b="0" dirty="0">
+                        <a:rPr lang="es-MX" sz="1000" b="1" dirty="0">
                           <a:solidFill>
                             <a:schemeClr val="tx1"/>
                           </a:solidFill>
                         </a:rPr>
-                        <a:t>Que el inventario se pueda mantener actualizado  </a:t>
+                        <a:t>Que el Administrador pueda actualizar datos de esta cuentas  </a:t>
                       </a:r>
                     </a:p>
                     <a:p>
@@ -4581,7 +5200,7 @@
                         <a:buFont typeface="Arial" panose="020B0604020202020204" pitchFamily="34" charset="0"/>
                         <a:buChar char="•"/>
                       </a:pPr>
-                      <a:endParaRPr lang="es-MX" sz="1000" b="0" dirty="0">
+                      <a:endParaRPr lang="es-MX" sz="1000" b="1" dirty="0">
                         <a:solidFill>
                           <a:schemeClr val="tx1"/>
                         </a:solidFill>
@@ -4593,13 +5212,20 @@
                         <a:buNone/>
                       </a:pPr>
                       <a:r>
-                        <a:rPr lang="es-MX" sz="1000" b="0" dirty="0">
+                        <a:rPr lang="es-MX" sz="1000" b="1" dirty="0">
                           <a:solidFill>
                             <a:schemeClr val="tx1"/>
                           </a:solidFill>
                         </a:rPr>
-                        <a:t>Necesitamos: nombre , precio y cantidades del producto vendido </a:t>
-                      </a:r>
+                        <a:t>Necesitamos: Nombre, email, contraseña, descripción, imagen </a:t>
+                      </a:r>
+                      <a:endParaRPr lang="es-CO" sz="1000" b="1" dirty="0">
+                        <a:solidFill>
+                          <a:schemeClr val="tx1"/>
+                        </a:solidFill>
+                      </a:endParaRPr>
+                    </a:p>
+                    <a:p>
                       <a:endParaRPr lang="es-CO" sz="1000" b="0" dirty="0">
                         <a:solidFill>
                           <a:schemeClr val="tx1"/>
@@ -4619,6 +5245,245 @@
                 <a:extLst>
                   <a:ext uri="{0D108BD9-81ED-4DB2-BD59-A6C34878D82A}">
                     <a16:rowId xmlns:a16="http://schemas.microsoft.com/office/drawing/2014/main" val="3842020864"/>
+                  </a:ext>
+                </a:extLst>
+              </a:tr>
+            </a:tbl>
+          </a:graphicData>
+        </a:graphic>
+      </p:graphicFrame>
+      <p:graphicFrame>
+        <p:nvGraphicFramePr>
+          <p:cNvPr id="2" name="Tabla 1">
+            <a:extLst>
+              <a:ext uri="{FF2B5EF4-FFF2-40B4-BE49-F238E27FC236}">
+                <a16:creationId xmlns:a16="http://schemas.microsoft.com/office/drawing/2014/main" id="{D4147A7D-8423-A0ED-4097-EAD6DCF4DF61}"/>
+              </a:ext>
+            </a:extLst>
+          </p:cNvPr>
+          <p:cNvGraphicFramePr>
+            <a:graphicFrameLocks noGrp="1"/>
+          </p:cNvGraphicFramePr>
+          <p:nvPr>
+            <p:extLst>
+              <p:ext uri="{D42A27DB-BD31-4B8C-83A1-F6EECF244321}">
+                <p14:modId xmlns:p14="http://schemas.microsoft.com/office/powerpoint/2010/main" val="3743140958"/>
+              </p:ext>
+            </p:extLst>
+          </p:nvPr>
+        </p:nvGraphicFramePr>
+        <p:xfrm>
+          <a:off x="723540" y="2206625"/>
+          <a:ext cx="10744917" cy="1592889"/>
+        </p:xfrm>
+        <a:graphic>
+          <a:graphicData uri="http://schemas.openxmlformats.org/drawingml/2006/table">
+            <a:tbl>
+              <a:tblPr firstRow="1" bandRow="1">
+                <a:tableStyleId>{5C22544A-7EE6-4342-B048-85BDC9FD1C3A}</a:tableStyleId>
+              </a:tblPr>
+              <a:tblGrid>
+                <a:gridCol w="1103462">
+                  <a:extLst>
+                    <a:ext uri="{9D8B030D-6E8A-4147-A177-3AD203B41FA5}">
+                      <a16:colId xmlns:a16="http://schemas.microsoft.com/office/drawing/2014/main" val="1428222115"/>
+                    </a:ext>
+                  </a:extLst>
+                </a:gridCol>
+                <a:gridCol w="1928291">
+                  <a:extLst>
+                    <a:ext uri="{9D8B030D-6E8A-4147-A177-3AD203B41FA5}">
+                      <a16:colId xmlns:a16="http://schemas.microsoft.com/office/drawing/2014/main" val="571723559"/>
+                    </a:ext>
+                  </a:extLst>
+                </a:gridCol>
+                <a:gridCol w="4696701">
+                  <a:extLst>
+                    <a:ext uri="{9D8B030D-6E8A-4147-A177-3AD203B41FA5}">
+                      <a16:colId xmlns:a16="http://schemas.microsoft.com/office/drawing/2014/main" val="2113901144"/>
+                    </a:ext>
+                  </a:extLst>
+                </a:gridCol>
+                <a:gridCol w="3016463">
+                  <a:extLst>
+                    <a:ext uri="{9D8B030D-6E8A-4147-A177-3AD203B41FA5}">
+                      <a16:colId xmlns:a16="http://schemas.microsoft.com/office/drawing/2014/main" val="3513918152"/>
+                    </a:ext>
+                  </a:extLst>
+                </a:gridCol>
+              </a:tblGrid>
+              <a:tr h="1592889">
+                <a:tc>
+                  <a:txBody>
+                    <a:bodyPr/>
+                    <a:lstStyle/>
+                    <a:p>
+                      <a:r>
+                        <a:rPr lang="es-MX" sz="1000" dirty="0">
+                          <a:solidFill>
+                            <a:schemeClr val="bg1"/>
+                          </a:solidFill>
+                        </a:rPr>
+                        <a:t>US0010</a:t>
+                      </a:r>
+                      <a:endParaRPr lang="es-CO" sz="1000" dirty="0">
+                        <a:solidFill>
+                          <a:schemeClr val="bg1"/>
+                        </a:solidFill>
+                      </a:endParaRPr>
+                    </a:p>
+                  </a:txBody>
+                  <a:tcPr>
+                    <a:solidFill>
+                      <a:schemeClr val="accent6"/>
+                    </a:solidFill>
+                  </a:tcPr>
+                </a:tc>
+                <a:tc>
+                  <a:txBody>
+                    <a:bodyPr/>
+                    <a:lstStyle/>
+                    <a:p>
+                      <a:r>
+                        <a:rPr lang="es-MX" sz="1000" b="1" dirty="0">
+                          <a:solidFill>
+                            <a:schemeClr val="tx1"/>
+                          </a:solidFill>
+                        </a:rPr>
+                        <a:t>CUU0010</a:t>
+                      </a:r>
+                    </a:p>
+                  </a:txBody>
+                  <a:tcPr>
+                    <a:solidFill>
+                      <a:schemeClr val="tx2">
+                        <a:lumMod val="20000"/>
+                        <a:lumOff val="80000"/>
+                      </a:schemeClr>
+                    </a:solidFill>
+                  </a:tcPr>
+                </a:tc>
+                <a:tc>
+                  <a:txBody>
+                    <a:bodyPr/>
+                    <a:lstStyle/>
+                    <a:p>
+                      <a:r>
+                        <a:rPr lang="es-MX" sz="1000" b="1" dirty="0">
+                          <a:solidFill>
+                            <a:schemeClr val="tx1"/>
+                          </a:solidFill>
+                        </a:rPr>
+                        <a:t>COMO Administrador NECESITO poder generar reportes mensuales, diarios, anuales o semanales de los productos que se venden en la Barberia </a:t>
+                      </a:r>
+                      <a:endParaRPr lang="es-CO" sz="1000" b="1" dirty="0">
+                        <a:solidFill>
+                          <a:schemeClr val="tx1"/>
+                        </a:solidFill>
+                      </a:endParaRPr>
+                    </a:p>
+                  </a:txBody>
+                  <a:tcPr>
+                    <a:solidFill>
+                      <a:schemeClr val="tx2">
+                        <a:lumMod val="20000"/>
+                        <a:lumOff val="80000"/>
+                      </a:schemeClr>
+                    </a:solidFill>
+                  </a:tcPr>
+                </a:tc>
+                <a:tc>
+                  <a:txBody>
+                    <a:bodyPr/>
+                    <a:lstStyle/>
+                    <a:p>
+                      <a:r>
+                        <a:rPr lang="es-MX" sz="1000" b="1" dirty="0">
+                          <a:solidFill>
+                            <a:schemeClr val="tx1"/>
+                          </a:solidFill>
+                        </a:rPr>
+                        <a:t>Escenarios:</a:t>
+                      </a:r>
+                    </a:p>
+                    <a:p>
+                      <a:pPr marL="171450" indent="-171450">
+                        <a:buFont typeface="Arial" panose="020B0604020202020204" pitchFamily="34" charset="0"/>
+                        <a:buChar char="•"/>
+                      </a:pPr>
+                      <a:r>
+                        <a:rPr lang="es-MX" sz="1000" b="1" dirty="0">
+                          <a:solidFill>
+                            <a:schemeClr val="tx1"/>
+                          </a:solidFill>
+                        </a:rPr>
+                        <a:t>Cuando el Administrador reste los productos ya vendidos se generara un reporte en PDF</a:t>
+                      </a:r>
+                    </a:p>
+                    <a:p>
+                      <a:pPr marL="171450" indent="-171450">
+                        <a:buFont typeface="Arial" panose="020B0604020202020204" pitchFamily="34" charset="0"/>
+                        <a:buChar char="•"/>
+                      </a:pPr>
+                      <a:r>
+                        <a:rPr lang="es-MX" sz="1000" b="1" dirty="0">
+                          <a:solidFill>
+                            <a:schemeClr val="tx1"/>
+                          </a:solidFill>
+                        </a:rPr>
+                        <a:t>Que el Administrador pueda actualizar este PDF con otros productos futuros vendidos   </a:t>
+                      </a:r>
+                    </a:p>
+                    <a:p>
+                      <a:pPr marL="171450" indent="-171450">
+                        <a:buFont typeface="Arial" panose="020B0604020202020204" pitchFamily="34" charset="0"/>
+                        <a:buChar char="•"/>
+                      </a:pPr>
+                      <a:endParaRPr lang="es-MX" sz="1000" b="1" dirty="0">
+                        <a:solidFill>
+                          <a:schemeClr val="tx1"/>
+                        </a:solidFill>
+                      </a:endParaRPr>
+                    </a:p>
+                    <a:p>
+                      <a:pPr marL="0" indent="0">
+                        <a:buFont typeface="Arial" panose="020B0604020202020204" pitchFamily="34" charset="0"/>
+                        <a:buNone/>
+                      </a:pPr>
+                      <a:r>
+                        <a:rPr lang="es-MX" sz="1000" b="1" dirty="0">
+                          <a:solidFill>
+                            <a:schemeClr val="tx1"/>
+                          </a:solidFill>
+                        </a:rPr>
+                        <a:t>Necesitamos: Restar inventario, PDF</a:t>
+                      </a:r>
+                      <a:endParaRPr lang="es-CO" sz="1000" b="1" dirty="0">
+                        <a:solidFill>
+                          <a:schemeClr val="tx1"/>
+                        </a:solidFill>
+                      </a:endParaRPr>
+                    </a:p>
+                    <a:p>
+                      <a:endParaRPr lang="es-CO" sz="1000" b="0" dirty="0">
+                        <a:solidFill>
+                          <a:schemeClr val="tx1"/>
+                        </a:solidFill>
+                      </a:endParaRPr>
+                    </a:p>
+                  </a:txBody>
+                  <a:tcPr>
+                    <a:solidFill>
+                      <a:schemeClr val="tx2">
+                        <a:lumMod val="20000"/>
+                        <a:lumOff val="80000"/>
+                      </a:schemeClr>
+                    </a:solidFill>
+                  </a:tcPr>
+                </a:tc>
+                <a:extLst>
+                  <a:ext uri="{0D108BD9-81ED-4DB2-BD59-A6C34878D82A}">
+                    <a16:rowId xmlns:a16="http://schemas.microsoft.com/office/drawing/2014/main" val="8650179"/>
                   </a:ext>
                 </a:extLst>
               </a:tr>
